--- a/Data/sgRNA/Figure1/figure1.pptx
+++ b/Data/sgRNA/Figure1/figure1.pptx
@@ -6,6 +6,9 @@
   </p:sldMasterIdLst>
   <p:sldIdLst>
     <p:sldId id="256" r:id="rId3"/>
+    <p:sldId id="258" r:id="rId4"/>
+    <p:sldId id="257" r:id="rId5"/>
+    <p:sldId id="259" r:id="rId6"/>
   </p:sldIdLst>
   <p:sldSz cx="12192000" cy="6858000"/>
   <p:notesSz cx="6858000" cy="9144000"/>
@@ -112,7 +115,7 @@
             <a:srgbClr val="A4A3A4"/>
           </p15:clr>
         </p15:guide>
-        <p15:guide id="2" pos="3840" userDrawn="1">
+        <p15:guide id="2" pos="3859" userDrawn="1">
           <p15:clr>
             <a:srgbClr val="A4A3A4"/>
           </p15:clr>
@@ -2769,7 +2772,7 @@
         <a:spcAft>
           <a:spcPts val="1000"/>
         </a:spcAft>
-        <a:buFont typeface="Arial" panose="020B0604020202020204" pitchFamily="34" charset="0"/>
+        <a:buFont typeface="Arial" panose="020B0604020202090204" pitchFamily="34" charset="0"/>
         <a:buChar char="●"/>
         <a:defRPr sz="1800" u="none" strike="noStrike" kern="1200" cap="none" spc="150" normalizeH="0" baseline="0">
           <a:solidFill>
@@ -2794,7 +2797,7 @@
         <a:spcAft>
           <a:spcPts val="600"/>
         </a:spcAft>
-        <a:buFont typeface="Arial" panose="020B0604020202020204" pitchFamily="34" charset="0"/>
+        <a:buFont typeface="Arial" panose="020B0604020202090204" pitchFamily="34" charset="0"/>
         <a:buChar char="●"/>
         <a:tabLst>
           <a:tab pos="1609725" algn="l"/>
@@ -2825,7 +2828,7 @@
         <a:spcAft>
           <a:spcPts val="600"/>
         </a:spcAft>
-        <a:buFont typeface="Arial" panose="020B0604020202020204" pitchFamily="34" charset="0"/>
+        <a:buFont typeface="Arial" panose="020B0604020202090204" pitchFamily="34" charset="0"/>
         <a:buChar char="●"/>
         <a:defRPr sz="1600" u="none" strike="noStrike" kern="1200" cap="none" spc="150" normalizeH="0" baseline="0">
           <a:solidFill>
@@ -2875,7 +2878,7 @@
         <a:spcAft>
           <a:spcPts val="300"/>
         </a:spcAft>
-        <a:buFont typeface="Arial" panose="020B0604020202020204" pitchFamily="34" charset="0"/>
+        <a:buFont typeface="Arial" panose="020B0604020202090204" pitchFamily="34" charset="0"/>
         <a:buChar char="•"/>
         <a:defRPr sz="1400" u="none" strike="noStrike" kern="1200" cap="none" spc="150" normalizeH="0" baseline="0">
           <a:solidFill>
@@ -2897,7 +2900,7 @@
         <a:spcBef>
           <a:spcPts val="500"/>
         </a:spcBef>
-        <a:buFont typeface="Arial" panose="020B0604020202020204" pitchFamily="34" charset="0"/>
+        <a:buFont typeface="Arial" panose="020B0604020202090204" pitchFamily="34" charset="0"/>
         <a:buChar char="•"/>
         <a:defRPr sz="1800" kern="1200">
           <a:solidFill>
@@ -2915,7 +2918,7 @@
         <a:spcBef>
           <a:spcPts val="500"/>
         </a:spcBef>
-        <a:buFont typeface="Arial" panose="020B0604020202020204" pitchFamily="34" charset="0"/>
+        <a:buFont typeface="Arial" panose="020B0604020202090204" pitchFamily="34" charset="0"/>
         <a:buChar char="•"/>
         <a:defRPr sz="1800" kern="1200">
           <a:solidFill>
@@ -2933,7 +2936,7 @@
         <a:spcBef>
           <a:spcPts val="500"/>
         </a:spcBef>
-        <a:buFont typeface="Arial" panose="020B0604020202020204" pitchFamily="34" charset="0"/>
+        <a:buFont typeface="Arial" panose="020B0604020202090204" pitchFamily="34" charset="0"/>
         <a:buChar char="•"/>
         <a:defRPr sz="1800" kern="1200">
           <a:solidFill>
@@ -2951,7 +2954,7 @@
         <a:spcBef>
           <a:spcPts val="500"/>
         </a:spcBef>
-        <a:buFont typeface="Arial" panose="020B0604020202020204" pitchFamily="34" charset="0"/>
+        <a:buFont typeface="Arial" panose="020B0604020202090204" pitchFamily="34" charset="0"/>
         <a:buChar char="•"/>
         <a:defRPr sz="1800" kern="1200">
           <a:solidFill>
@@ -3334,6 +3337,1764 @@
     <p:custDataLst>
       <p:tags r:id="rId2"/>
     </p:custDataLst>
+  </p:cSld>
+  <p:clrMapOvr>
+    <a:masterClrMapping/>
+  </p:clrMapOvr>
+</p:sld>
+</file>
+
+<file path=ppt/slides/slide2.xml><?xml version="1.0" encoding="utf-8"?>
+<p:sld xmlns:a="http://schemas.openxmlformats.org/drawingml/2006/main" xmlns:r="http://schemas.openxmlformats.org/officeDocument/2006/relationships" xmlns:p="http://schemas.openxmlformats.org/presentationml/2006/main">
+  <p:cSld>
+    <p:spTree>
+      <p:nvGrpSpPr>
+        <p:cNvPr id="1" name=""/>
+        <p:cNvGrpSpPr/>
+        <p:nvPr/>
+      </p:nvGrpSpPr>
+      <p:grpSpPr/>
+      <p:pic>
+        <p:nvPicPr>
+          <p:cNvPr id="18" name="Picture 17" descr="Screenshot 2025-01-26 at 12.08.17 PM"/>
+          <p:cNvPicPr>
+            <a:picLocks noChangeAspect="1"/>
+          </p:cNvPicPr>
+          <p:nvPr/>
+        </p:nvPicPr>
+        <p:blipFill>
+          <a:blip r:embed="rId1"/>
+          <a:stretch>
+            <a:fillRect/>
+          </a:stretch>
+        </p:blipFill>
+        <p:spPr>
+          <a:xfrm>
+            <a:off x="6492240" y="1028065"/>
+            <a:ext cx="4396740" cy="3017520"/>
+          </a:xfrm>
+          <a:prstGeom prst="rect">
+            <a:avLst/>
+          </a:prstGeom>
+        </p:spPr>
+      </p:pic>
+      <p:sp>
+        <p:nvSpPr>
+          <p:cNvPr id="5" name="Rectangles 4"/>
+          <p:cNvSpPr/>
+          <p:nvPr/>
+        </p:nvSpPr>
+        <p:spPr>
+          <a:xfrm>
+            <a:off x="277495" y="120650"/>
+            <a:ext cx="4213860" cy="907415"/>
+          </a:xfrm>
+          <a:prstGeom prst="rect">
+            <a:avLst/>
+          </a:prstGeom>
+          <a:solidFill>
+            <a:schemeClr val="accent1">
+              <a:lumMod val="40000"/>
+              <a:lumOff val="60000"/>
+            </a:schemeClr>
+          </a:solidFill>
+          <a:ln>
+            <a:noFill/>
+          </a:ln>
+        </p:spPr>
+        <p:style>
+          <a:lnRef idx="2">
+            <a:schemeClr val="accent1">
+              <a:lumMod val="75000"/>
+            </a:schemeClr>
+          </a:lnRef>
+          <a:fillRef idx="1">
+            <a:schemeClr val="accent1"/>
+          </a:fillRef>
+          <a:effectRef idx="0">
+            <a:srgbClr val="FFFFFF"/>
+          </a:effectRef>
+          <a:fontRef idx="minor">
+            <a:schemeClr val="lt1"/>
+          </a:fontRef>
+        </p:style>
+        <p:txBody>
+          <a:bodyPr rtlCol="0" anchor="ctr"/>
+          <a:p>
+            <a:pPr algn="ctr"/>
+            <a:endParaRPr lang="en-US"/>
+          </a:p>
+        </p:txBody>
+      </p:sp>
+      <p:sp>
+        <p:nvSpPr>
+          <p:cNvPr id="6" name="Rectangles 5"/>
+          <p:cNvSpPr/>
+          <p:nvPr/>
+        </p:nvSpPr>
+        <p:spPr>
+          <a:xfrm>
+            <a:off x="277495" y="5478145"/>
+            <a:ext cx="4213225" cy="1198880"/>
+          </a:xfrm>
+          <a:prstGeom prst="rect">
+            <a:avLst/>
+          </a:prstGeom>
+          <a:solidFill>
+            <a:schemeClr val="accent1">
+              <a:lumMod val="40000"/>
+              <a:lumOff val="60000"/>
+            </a:schemeClr>
+          </a:solidFill>
+          <a:ln>
+            <a:noFill/>
+          </a:ln>
+        </p:spPr>
+        <p:style>
+          <a:lnRef idx="2">
+            <a:schemeClr val="accent1">
+              <a:lumMod val="75000"/>
+            </a:schemeClr>
+          </a:lnRef>
+          <a:fillRef idx="1">
+            <a:schemeClr val="accent1"/>
+          </a:fillRef>
+          <a:effectRef idx="0">
+            <a:srgbClr val="FFFFFF"/>
+          </a:effectRef>
+          <a:fontRef idx="minor">
+            <a:schemeClr val="lt1"/>
+          </a:fontRef>
+        </p:style>
+        <p:txBody>
+          <a:bodyPr rtlCol="0" anchor="ctr"/>
+          <a:p>
+            <a:pPr algn="ctr"/>
+            <a:endParaRPr lang="en-US"/>
+          </a:p>
+        </p:txBody>
+      </p:sp>
+      <p:sp>
+        <p:nvSpPr>
+          <p:cNvPr id="7" name="Text Box 6"/>
+          <p:cNvSpPr txBox="1"/>
+          <p:nvPr/>
+        </p:nvSpPr>
+        <p:spPr>
+          <a:xfrm>
+            <a:off x="278130" y="120650"/>
+            <a:ext cx="4064000" cy="922020"/>
+          </a:xfrm>
+          <a:prstGeom prst="rect">
+            <a:avLst/>
+          </a:prstGeom>
+          <a:noFill/>
+        </p:spPr>
+        <p:txBody>
+          <a:bodyPr wrap="square" rtlCol="0">
+            <a:spAutoFit/>
+          </a:bodyPr>
+          <a:p>
+            <a:pPr algn="ctr"/>
+            <a:r>
+              <a:rPr lang="en-US" b="1">
+                <a:latin typeface="Arial Bold" panose="020B0604020202090204" charset="0"/>
+                <a:cs typeface="Arial Bold" panose="020B0604020202090204" charset="0"/>
+              </a:rPr>
+              <a:t>Control Runs</a:t>
+            </a:r>
+            <a:endParaRPr lang="en-US" b="1">
+              <a:latin typeface="Arial Bold" panose="020B0604020202090204" charset="0"/>
+              <a:cs typeface="Arial Bold" panose="020B0604020202090204" charset="0"/>
+            </a:endParaRPr>
+          </a:p>
+          <a:p>
+            <a:pPr algn="ctr"/>
+            <a:r>
+              <a:rPr lang="en-US" i="1">
+                <a:latin typeface="Arial Italic" panose="020B0604020202090204" charset="0"/>
+                <a:cs typeface="Arial Italic" panose="020B0604020202090204" charset="0"/>
+              </a:rPr>
+              <a:t>C1: no acid treatment</a:t>
+            </a:r>
+            <a:endParaRPr lang="en-US" i="1">
+              <a:latin typeface="Arial Italic" panose="020B0604020202090204" charset="0"/>
+              <a:cs typeface="Arial Italic" panose="020B0604020202090204" charset="0"/>
+            </a:endParaRPr>
+          </a:p>
+          <a:p>
+            <a:pPr algn="ctr"/>
+            <a:r>
+              <a:rPr lang="en-US" i="1">
+                <a:latin typeface="Arial Italic" panose="020B0604020202090204" charset="0"/>
+                <a:cs typeface="Arial Italic" panose="020B0604020202090204" charset="0"/>
+              </a:rPr>
+              <a:t>C2: add formic acid</a:t>
+            </a:r>
+            <a:endParaRPr lang="en-US" i="1">
+              <a:latin typeface="Arial Italic" panose="020B0604020202090204" charset="0"/>
+              <a:cs typeface="Arial Italic" panose="020B0604020202090204" charset="0"/>
+            </a:endParaRPr>
+          </a:p>
+        </p:txBody>
+      </p:sp>
+      <p:sp>
+        <p:nvSpPr>
+          <p:cNvPr id="8" name="Text Box 7"/>
+          <p:cNvSpPr txBox="1"/>
+          <p:nvPr/>
+        </p:nvSpPr>
+        <p:spPr>
+          <a:xfrm>
+            <a:off x="426720" y="5478145"/>
+            <a:ext cx="4064000" cy="1198880"/>
+          </a:xfrm>
+          <a:prstGeom prst="rect">
+            <a:avLst/>
+          </a:prstGeom>
+          <a:noFill/>
+        </p:spPr>
+        <p:txBody>
+          <a:bodyPr wrap="square" rtlCol="0">
+            <a:spAutoFit/>
+          </a:bodyPr>
+          <a:p>
+            <a:r>
+              <a:rPr lang="en-US" i="1">
+                <a:latin typeface="Arial Italic" panose="020B0604020202090204" charset="0"/>
+                <a:cs typeface="Arial Italic" panose="020B0604020202090204" charset="0"/>
+              </a:rPr>
+              <a:t>a: determine the number of RNAs and their relative abundances.</a:t>
+            </a:r>
+            <a:endParaRPr lang="en-US" i="1">
+              <a:latin typeface="Arial Italic" panose="020B0604020202090204" charset="0"/>
+              <a:cs typeface="Arial Italic" panose="020B0604020202090204" charset="0"/>
+            </a:endParaRPr>
+          </a:p>
+          <a:p>
+            <a:r>
+              <a:rPr lang="en-US" i="1">
+                <a:latin typeface="Arial Italic" panose="020B0604020202090204" charset="0"/>
+                <a:cs typeface="Arial Italic" panose="020B0604020202090204" charset="0"/>
+              </a:rPr>
+              <a:t>b: determine otimal experimental conditions</a:t>
+            </a:r>
+            <a:endParaRPr lang="en-US" i="1">
+              <a:latin typeface="Arial Italic" panose="020B0604020202090204" charset="0"/>
+              <a:cs typeface="Arial Italic" panose="020B0604020202090204" charset="0"/>
+            </a:endParaRPr>
+          </a:p>
+        </p:txBody>
+      </p:sp>
+      <p:pic>
+        <p:nvPicPr>
+          <p:cNvPr id="9" name="Picture 8" descr="Screenshot 2025-01-26 at 11.19.43 AM"/>
+          <p:cNvPicPr>
+            <a:picLocks noChangeAspect="1"/>
+          </p:cNvPicPr>
+          <p:nvPr/>
+        </p:nvPicPr>
+        <p:blipFill>
+          <a:blip r:embed="rId2"/>
+          <a:stretch>
+            <a:fillRect/>
+          </a:stretch>
+        </p:blipFill>
+        <p:spPr>
+          <a:xfrm>
+            <a:off x="-635" y="2179955"/>
+            <a:ext cx="4213225" cy="3124835"/>
+          </a:xfrm>
+          <a:prstGeom prst="rect">
+            <a:avLst/>
+          </a:prstGeom>
+        </p:spPr>
+      </p:pic>
+      <p:sp>
+        <p:nvSpPr>
+          <p:cNvPr id="10" name="Text Box 9"/>
+          <p:cNvSpPr txBox="1"/>
+          <p:nvPr/>
+        </p:nvSpPr>
+        <p:spPr>
+          <a:xfrm>
+            <a:off x="1315720" y="1272540"/>
+            <a:ext cx="1273175" cy="368300"/>
+          </a:xfrm>
+          <a:prstGeom prst="rect">
+            <a:avLst/>
+          </a:prstGeom>
+          <a:noFill/>
+        </p:spPr>
+        <p:txBody>
+          <a:bodyPr wrap="square" rtlCol="0">
+            <a:spAutoFit/>
+          </a:bodyPr>
+          <a:p>
+            <a:r>
+              <a:rPr lang="en-US" b="1">
+                <a:latin typeface="Arial Bold" panose="020B0604020202090204" charset="0"/>
+                <a:cs typeface="Arial Bold" panose="020B0604020202090204" charset="0"/>
+              </a:rPr>
+              <a:t>LC-MS</a:t>
+            </a:r>
+            <a:endParaRPr lang="en-US" b="1">
+              <a:latin typeface="Arial Bold" panose="020B0604020202090204" charset="0"/>
+              <a:cs typeface="Arial Bold" panose="020B0604020202090204" charset="0"/>
+            </a:endParaRPr>
+          </a:p>
+        </p:txBody>
+      </p:sp>
+      <p:cxnSp>
+        <p:nvCxnSpPr>
+          <p:cNvPr id="11" name="Straight Connector 10"/>
+          <p:cNvCxnSpPr/>
+          <p:nvPr/>
+        </p:nvCxnSpPr>
+        <p:spPr>
+          <a:xfrm>
+            <a:off x="167005" y="4586605"/>
+            <a:ext cx="4291965" cy="0"/>
+          </a:xfrm>
+          <a:prstGeom prst="line">
+            <a:avLst/>
+          </a:prstGeom>
+          <a:ln w="41275" cmpd="sng">
+            <a:solidFill>
+              <a:srgbClr val="FF0000"/>
+            </a:solidFill>
+            <a:prstDash val="solid"/>
+          </a:ln>
+        </p:spPr>
+        <p:style>
+          <a:lnRef idx="2">
+            <a:schemeClr val="accent1"/>
+          </a:lnRef>
+          <a:fillRef idx="0">
+            <a:srgbClr val="FFFFFF"/>
+          </a:fillRef>
+          <a:effectRef idx="0">
+            <a:srgbClr val="FFFFFF"/>
+          </a:effectRef>
+          <a:fontRef idx="minor">
+            <a:schemeClr val="tx1"/>
+          </a:fontRef>
+        </p:style>
+      </p:cxnSp>
+      <p:cxnSp>
+        <p:nvCxnSpPr>
+          <p:cNvPr id="12" name="Straight Connector 11"/>
+          <p:cNvCxnSpPr/>
+          <p:nvPr/>
+        </p:nvCxnSpPr>
+        <p:spPr>
+          <a:xfrm>
+            <a:off x="364490" y="2461260"/>
+            <a:ext cx="236220" cy="0"/>
+          </a:xfrm>
+          <a:prstGeom prst="line">
+            <a:avLst/>
+          </a:prstGeom>
+          <a:ln w="41275" cmpd="sng">
+            <a:solidFill>
+              <a:srgbClr val="FF0000"/>
+            </a:solidFill>
+            <a:prstDash val="solid"/>
+          </a:ln>
+        </p:spPr>
+        <p:style>
+          <a:lnRef idx="2">
+            <a:schemeClr val="accent1"/>
+          </a:lnRef>
+          <a:fillRef idx="0">
+            <a:srgbClr val="FFFFFF"/>
+          </a:fillRef>
+          <a:effectRef idx="0">
+            <a:srgbClr val="FFFFFF"/>
+          </a:effectRef>
+          <a:fontRef idx="minor">
+            <a:schemeClr val="tx1"/>
+          </a:fontRef>
+        </p:style>
+      </p:cxnSp>
+      <p:sp>
+        <p:nvSpPr>
+          <p:cNvPr id="13" name="Text Box 12"/>
+          <p:cNvSpPr txBox="1"/>
+          <p:nvPr/>
+        </p:nvSpPr>
+        <p:spPr>
+          <a:xfrm>
+            <a:off x="277495" y="2146935"/>
+            <a:ext cx="4064000" cy="460375"/>
+          </a:xfrm>
+          <a:prstGeom prst="rect">
+            <a:avLst/>
+          </a:prstGeom>
+          <a:noFill/>
+        </p:spPr>
+        <p:txBody>
+          <a:bodyPr wrap="square" rtlCol="0">
+            <a:spAutoFit/>
+          </a:bodyPr>
+          <a:p>
+            <a:r>
+              <a:rPr lang="en-US" sz="1200"/>
+              <a:t>Dots: different RNAs</a:t>
+            </a:r>
+            <a:endParaRPr lang="en-US" sz="1200"/>
+          </a:p>
+          <a:p>
+            <a:r>
+              <a:rPr lang="en-US" sz="1200"/>
+              <a:t>       : ~10% of the most abundant RNA intensity</a:t>
+            </a:r>
+            <a:endParaRPr lang="en-US" sz="1200"/>
+          </a:p>
+        </p:txBody>
+      </p:sp>
+      <p:sp>
+        <p:nvSpPr>
+          <p:cNvPr id="14" name="Text Box 13"/>
+          <p:cNvSpPr txBox="1"/>
+          <p:nvPr/>
+        </p:nvSpPr>
+        <p:spPr>
+          <a:xfrm>
+            <a:off x="5972175" y="5986145"/>
+            <a:ext cx="2315210" cy="521970"/>
+          </a:xfrm>
+          <a:prstGeom prst="rect">
+            <a:avLst/>
+          </a:prstGeom>
+          <a:noFill/>
+        </p:spPr>
+        <p:txBody>
+          <a:bodyPr wrap="square" rtlCol="0">
+            <a:spAutoFit/>
+          </a:bodyPr>
+          <a:p>
+            <a:pPr algn="ctr"/>
+            <a:r>
+              <a:rPr lang="en-US" sz="1400"/>
+              <a:t>Mixture of RNAs with different abundances</a:t>
+            </a:r>
+            <a:endParaRPr lang="en-US" sz="1400"/>
+          </a:p>
+        </p:txBody>
+      </p:sp>
+      <p:cxnSp>
+        <p:nvCxnSpPr>
+          <p:cNvPr id="44" name="Straight Connector 43"/>
+          <p:cNvCxnSpPr/>
+          <p:nvPr/>
+        </p:nvCxnSpPr>
+        <p:spPr>
+          <a:xfrm>
+            <a:off x="6610350" y="3277235"/>
+            <a:ext cx="4278630" cy="0"/>
+          </a:xfrm>
+          <a:prstGeom prst="line">
+            <a:avLst/>
+          </a:prstGeom>
+          <a:ln w="28575" cmpd="sng">
+            <a:solidFill>
+              <a:srgbClr val="FF0000"/>
+            </a:solidFill>
+            <a:prstDash val="solid"/>
+          </a:ln>
+        </p:spPr>
+        <p:style>
+          <a:lnRef idx="2">
+            <a:schemeClr val="accent1"/>
+          </a:lnRef>
+          <a:fillRef idx="0">
+            <a:srgbClr val="FFFFFF"/>
+          </a:fillRef>
+          <a:effectRef idx="0">
+            <a:srgbClr val="FFFFFF"/>
+          </a:effectRef>
+          <a:fontRef idx="minor">
+            <a:schemeClr val="tx1"/>
+          </a:fontRef>
+        </p:style>
+      </p:cxnSp>
+      <p:sp>
+        <p:nvSpPr>
+          <p:cNvPr id="19" name="Text Box 18"/>
+          <p:cNvSpPr txBox="1"/>
+          <p:nvPr/>
+        </p:nvSpPr>
+        <p:spPr>
+          <a:xfrm>
+            <a:off x="6610350" y="4133215"/>
+            <a:ext cx="4547870" cy="521970"/>
+          </a:xfrm>
+          <a:prstGeom prst="rect">
+            <a:avLst/>
+          </a:prstGeom>
+          <a:noFill/>
+        </p:spPr>
+        <p:txBody>
+          <a:bodyPr wrap="square" rtlCol="0">
+            <a:spAutoFit/>
+          </a:bodyPr>
+          <a:p>
+            <a:pPr algn="ctr"/>
+            <a:r>
+              <a:rPr lang="en-US" sz="1400"/>
+              <a:t>Ladders were acquired layer-by-layer, ensuring the sequencing of all RNAs above exhaustion threshold</a:t>
+            </a:r>
+            <a:endParaRPr lang="en-US" sz="1400"/>
+          </a:p>
+        </p:txBody>
+      </p:sp>
+    </p:spTree>
+  </p:cSld>
+  <p:clrMapOvr>
+    <a:masterClrMapping/>
+  </p:clrMapOvr>
+</p:sld>
+</file>
+
+<file path=ppt/slides/slide3.xml><?xml version="1.0" encoding="utf-8"?>
+<p:sld xmlns:a="http://schemas.openxmlformats.org/drawingml/2006/main" xmlns:r="http://schemas.openxmlformats.org/officeDocument/2006/relationships" xmlns:p="http://schemas.openxmlformats.org/presentationml/2006/main">
+  <p:cSld>
+    <p:spTree>
+      <p:nvGrpSpPr>
+        <p:cNvPr id="1" name=""/>
+        <p:cNvGrpSpPr/>
+        <p:nvPr/>
+      </p:nvGrpSpPr>
+      <p:grpSpPr/>
+      <p:pic>
+        <p:nvPicPr>
+          <p:cNvPr id="48" name="Picture 47" descr="Screenshot 2025-01-26 at 12.00.45 PM"/>
+          <p:cNvPicPr>
+            <a:picLocks noChangeAspect="1"/>
+          </p:cNvPicPr>
+          <p:nvPr/>
+        </p:nvPicPr>
+        <p:blipFill>
+          <a:blip r:embed="rId1"/>
+          <a:stretch>
+            <a:fillRect/>
+          </a:stretch>
+        </p:blipFill>
+        <p:spPr>
+          <a:xfrm>
+            <a:off x="6586220" y="726440"/>
+            <a:ext cx="3667125" cy="2514600"/>
+          </a:xfrm>
+          <a:prstGeom prst="rect">
+            <a:avLst/>
+          </a:prstGeom>
+        </p:spPr>
+      </p:pic>
+      <p:sp>
+        <p:nvSpPr>
+          <p:cNvPr id="4" name="Rectangles 3"/>
+          <p:cNvSpPr/>
+          <p:nvPr/>
+        </p:nvSpPr>
+        <p:spPr>
+          <a:xfrm>
+            <a:off x="1600200" y="726440"/>
+            <a:ext cx="3619500" cy="1198245"/>
+          </a:xfrm>
+          <a:prstGeom prst="rect">
+            <a:avLst/>
+          </a:prstGeom>
+          <a:solidFill>
+            <a:schemeClr val="accent2">
+              <a:lumMod val="20000"/>
+              <a:lumOff val="80000"/>
+            </a:schemeClr>
+          </a:solidFill>
+          <a:ln>
+            <a:noFill/>
+          </a:ln>
+        </p:spPr>
+        <p:style>
+          <a:lnRef idx="2">
+            <a:schemeClr val="accent1">
+              <a:lumMod val="75000"/>
+            </a:schemeClr>
+          </a:lnRef>
+          <a:fillRef idx="1">
+            <a:schemeClr val="accent1"/>
+          </a:fillRef>
+          <a:effectRef idx="0">
+            <a:srgbClr val="FFFFFF"/>
+          </a:effectRef>
+          <a:fontRef idx="minor">
+            <a:schemeClr val="lt1"/>
+          </a:fontRef>
+        </p:style>
+        <p:txBody>
+          <a:bodyPr rtlCol="0" anchor="ctr"/>
+          <a:p>
+            <a:pPr algn="ctr"/>
+            <a:endParaRPr lang="en-US"/>
+          </a:p>
+        </p:txBody>
+      </p:sp>
+      <p:sp>
+        <p:nvSpPr>
+          <p:cNvPr id="5" name="Text Box 4"/>
+          <p:cNvSpPr txBox="1"/>
+          <p:nvPr/>
+        </p:nvSpPr>
+        <p:spPr>
+          <a:xfrm>
+            <a:off x="1377950" y="726440"/>
+            <a:ext cx="4064000" cy="1198880"/>
+          </a:xfrm>
+          <a:prstGeom prst="rect">
+            <a:avLst/>
+          </a:prstGeom>
+          <a:noFill/>
+        </p:spPr>
+        <p:txBody>
+          <a:bodyPr wrap="square" rtlCol="0">
+            <a:spAutoFit/>
+          </a:bodyPr>
+          <a:p>
+            <a:pPr algn="ctr"/>
+            <a:r>
+              <a:rPr lang="en-US" b="1">
+                <a:latin typeface="Arial Bold" panose="020B0604020202090204" charset="0"/>
+                <a:cs typeface="Arial Bold" panose="020B0604020202090204" charset="0"/>
+              </a:rPr>
+              <a:t>Analytical Run</a:t>
+            </a:r>
+            <a:endParaRPr lang="en-US" b="1">
+              <a:latin typeface="Arial Bold" panose="020B0604020202090204" charset="0"/>
+              <a:cs typeface="Arial Bold" panose="020B0604020202090204" charset="0"/>
+            </a:endParaRPr>
+          </a:p>
+          <a:p>
+            <a:pPr algn="ctr"/>
+            <a:r>
+              <a:rPr lang="en-US" i="1">
+                <a:latin typeface="Arial Italic" panose="020B0604020202090204" charset="0"/>
+                <a:cs typeface="Arial Italic" panose="020B0604020202090204" charset="0"/>
+              </a:rPr>
+              <a:t>Optimal sample amount and acid hydrolysis conditions to generate ladder fragments</a:t>
+            </a:r>
+            <a:endParaRPr lang="en-US" i="1">
+              <a:latin typeface="Arial Italic" panose="020B0604020202090204" charset="0"/>
+              <a:cs typeface="Arial Italic" panose="020B0604020202090204" charset="0"/>
+            </a:endParaRPr>
+          </a:p>
+        </p:txBody>
+      </p:sp>
+      <p:cxnSp>
+        <p:nvCxnSpPr>
+          <p:cNvPr id="6" name="Straight Connector 5"/>
+          <p:cNvCxnSpPr/>
+          <p:nvPr/>
+        </p:nvCxnSpPr>
+        <p:spPr>
+          <a:xfrm>
+            <a:off x="1925955" y="2203450"/>
+            <a:ext cx="2291080" cy="0"/>
+          </a:xfrm>
+          <a:prstGeom prst="line">
+            <a:avLst/>
+          </a:prstGeom>
+          <a:ln w="41275" cmpd="sng">
+            <a:solidFill>
+              <a:schemeClr val="bg2">
+                <a:lumMod val="50000"/>
+              </a:schemeClr>
+            </a:solidFill>
+            <a:prstDash val="solid"/>
+          </a:ln>
+        </p:spPr>
+        <p:style>
+          <a:lnRef idx="2">
+            <a:schemeClr val="accent1"/>
+          </a:lnRef>
+          <a:fillRef idx="0">
+            <a:srgbClr val="FFFFFF"/>
+          </a:fillRef>
+          <a:effectRef idx="0">
+            <a:srgbClr val="FFFFFF"/>
+          </a:effectRef>
+          <a:fontRef idx="minor">
+            <a:schemeClr val="tx1"/>
+          </a:fontRef>
+        </p:style>
+      </p:cxnSp>
+      <p:cxnSp>
+        <p:nvCxnSpPr>
+          <p:cNvPr id="8" name="Straight Connector 7"/>
+          <p:cNvCxnSpPr/>
+          <p:nvPr/>
+        </p:nvCxnSpPr>
+        <p:spPr>
+          <a:xfrm>
+            <a:off x="1925955" y="2330450"/>
+            <a:ext cx="1826895" cy="0"/>
+          </a:xfrm>
+          <a:prstGeom prst="line">
+            <a:avLst/>
+          </a:prstGeom>
+          <a:ln w="41275" cmpd="sng">
+            <a:solidFill>
+              <a:schemeClr val="bg2">
+                <a:lumMod val="50000"/>
+              </a:schemeClr>
+            </a:solidFill>
+            <a:prstDash val="solid"/>
+          </a:ln>
+        </p:spPr>
+        <p:style>
+          <a:lnRef idx="2">
+            <a:schemeClr val="accent1"/>
+          </a:lnRef>
+          <a:fillRef idx="0">
+            <a:srgbClr val="FFFFFF"/>
+          </a:fillRef>
+          <a:effectRef idx="0">
+            <a:srgbClr val="FFFFFF"/>
+          </a:effectRef>
+          <a:fontRef idx="minor">
+            <a:schemeClr val="tx1"/>
+          </a:fontRef>
+        </p:style>
+      </p:cxnSp>
+      <p:cxnSp>
+        <p:nvCxnSpPr>
+          <p:cNvPr id="9" name="Straight Connector 8"/>
+          <p:cNvCxnSpPr/>
+          <p:nvPr/>
+        </p:nvCxnSpPr>
+        <p:spPr>
+          <a:xfrm>
+            <a:off x="1925955" y="2450465"/>
+            <a:ext cx="1402080" cy="0"/>
+          </a:xfrm>
+          <a:prstGeom prst="line">
+            <a:avLst/>
+          </a:prstGeom>
+          <a:ln w="41275" cmpd="sng">
+            <a:solidFill>
+              <a:schemeClr val="bg2">
+                <a:lumMod val="50000"/>
+              </a:schemeClr>
+            </a:solidFill>
+            <a:prstDash val="solid"/>
+          </a:ln>
+        </p:spPr>
+        <p:style>
+          <a:lnRef idx="2">
+            <a:schemeClr val="accent1"/>
+          </a:lnRef>
+          <a:fillRef idx="0">
+            <a:srgbClr val="FFFFFF"/>
+          </a:fillRef>
+          <a:effectRef idx="0">
+            <a:srgbClr val="FFFFFF"/>
+          </a:effectRef>
+          <a:fontRef idx="minor">
+            <a:schemeClr val="tx1"/>
+          </a:fontRef>
+        </p:style>
+      </p:cxnSp>
+      <p:cxnSp>
+        <p:nvCxnSpPr>
+          <p:cNvPr id="10" name="Straight Connector 9"/>
+          <p:cNvCxnSpPr/>
+          <p:nvPr/>
+        </p:nvCxnSpPr>
+        <p:spPr>
+          <a:xfrm>
+            <a:off x="1925955" y="2571115"/>
+            <a:ext cx="886460" cy="0"/>
+          </a:xfrm>
+          <a:prstGeom prst="line">
+            <a:avLst/>
+          </a:prstGeom>
+          <a:ln w="41275" cmpd="sng">
+            <a:solidFill>
+              <a:schemeClr val="bg2">
+                <a:lumMod val="50000"/>
+              </a:schemeClr>
+            </a:solidFill>
+            <a:prstDash val="solid"/>
+          </a:ln>
+        </p:spPr>
+        <p:style>
+          <a:lnRef idx="2">
+            <a:schemeClr val="accent1"/>
+          </a:lnRef>
+          <a:fillRef idx="0">
+            <a:srgbClr val="FFFFFF"/>
+          </a:fillRef>
+          <a:effectRef idx="0">
+            <a:srgbClr val="FFFFFF"/>
+          </a:effectRef>
+          <a:fontRef idx="minor">
+            <a:schemeClr val="tx1"/>
+          </a:fontRef>
+        </p:style>
+      </p:cxnSp>
+      <p:cxnSp>
+        <p:nvCxnSpPr>
+          <p:cNvPr id="11" name="Straight Connector 10"/>
+          <p:cNvCxnSpPr/>
+          <p:nvPr/>
+        </p:nvCxnSpPr>
+        <p:spPr>
+          <a:xfrm>
+            <a:off x="1925955" y="2691765"/>
+            <a:ext cx="409575" cy="0"/>
+          </a:xfrm>
+          <a:prstGeom prst="line">
+            <a:avLst/>
+          </a:prstGeom>
+          <a:ln w="41275" cmpd="sng">
+            <a:solidFill>
+              <a:schemeClr val="bg2">
+                <a:lumMod val="50000"/>
+              </a:schemeClr>
+            </a:solidFill>
+            <a:prstDash val="solid"/>
+          </a:ln>
+        </p:spPr>
+        <p:style>
+          <a:lnRef idx="2">
+            <a:schemeClr val="accent1"/>
+          </a:lnRef>
+          <a:fillRef idx="0">
+            <a:srgbClr val="FFFFFF"/>
+          </a:fillRef>
+          <a:effectRef idx="0">
+            <a:srgbClr val="FFFFFF"/>
+          </a:effectRef>
+          <a:fontRef idx="minor">
+            <a:schemeClr val="tx1"/>
+          </a:fontRef>
+        </p:style>
+      </p:cxnSp>
+      <p:cxnSp>
+        <p:nvCxnSpPr>
+          <p:cNvPr id="17" name="Straight Connector 16"/>
+          <p:cNvCxnSpPr/>
+          <p:nvPr/>
+        </p:nvCxnSpPr>
+        <p:spPr>
+          <a:xfrm>
+            <a:off x="2661285" y="2721610"/>
+            <a:ext cx="2291080" cy="0"/>
+          </a:xfrm>
+          <a:prstGeom prst="line">
+            <a:avLst/>
+          </a:prstGeom>
+          <a:ln w="41275" cmpd="sng">
+            <a:solidFill>
+              <a:schemeClr val="bg2">
+                <a:lumMod val="50000"/>
+              </a:schemeClr>
+            </a:solidFill>
+            <a:prstDash val="solid"/>
+          </a:ln>
+        </p:spPr>
+        <p:style>
+          <a:lnRef idx="2">
+            <a:schemeClr val="accent1"/>
+          </a:lnRef>
+          <a:fillRef idx="0">
+            <a:srgbClr val="FFFFFF"/>
+          </a:fillRef>
+          <a:effectRef idx="0">
+            <a:srgbClr val="FFFFFF"/>
+          </a:effectRef>
+          <a:fontRef idx="minor">
+            <a:schemeClr val="tx1"/>
+          </a:fontRef>
+        </p:style>
+      </p:cxnSp>
+      <p:cxnSp>
+        <p:nvCxnSpPr>
+          <p:cNvPr id="18" name="Straight Connector 17"/>
+          <p:cNvCxnSpPr/>
+          <p:nvPr/>
+        </p:nvCxnSpPr>
+        <p:spPr>
+          <a:xfrm>
+            <a:off x="3125470" y="2595245"/>
+            <a:ext cx="1826895" cy="0"/>
+          </a:xfrm>
+          <a:prstGeom prst="line">
+            <a:avLst/>
+          </a:prstGeom>
+          <a:ln w="41275" cmpd="sng">
+            <a:solidFill>
+              <a:schemeClr val="bg2">
+                <a:lumMod val="50000"/>
+              </a:schemeClr>
+            </a:solidFill>
+            <a:prstDash val="solid"/>
+          </a:ln>
+        </p:spPr>
+        <p:style>
+          <a:lnRef idx="2">
+            <a:schemeClr val="accent1"/>
+          </a:lnRef>
+          <a:fillRef idx="0">
+            <a:srgbClr val="FFFFFF"/>
+          </a:fillRef>
+          <a:effectRef idx="0">
+            <a:srgbClr val="FFFFFF"/>
+          </a:effectRef>
+          <a:fontRef idx="minor">
+            <a:schemeClr val="tx1"/>
+          </a:fontRef>
+        </p:style>
+      </p:cxnSp>
+      <p:cxnSp>
+        <p:nvCxnSpPr>
+          <p:cNvPr id="19" name="Straight Connector 18"/>
+          <p:cNvCxnSpPr/>
+          <p:nvPr/>
+        </p:nvCxnSpPr>
+        <p:spPr>
+          <a:xfrm>
+            <a:off x="3550285" y="2462530"/>
+            <a:ext cx="1402080" cy="0"/>
+          </a:xfrm>
+          <a:prstGeom prst="line">
+            <a:avLst/>
+          </a:prstGeom>
+          <a:ln w="41275" cmpd="sng">
+            <a:solidFill>
+              <a:schemeClr val="bg2">
+                <a:lumMod val="50000"/>
+              </a:schemeClr>
+            </a:solidFill>
+            <a:prstDash val="solid"/>
+          </a:ln>
+        </p:spPr>
+        <p:style>
+          <a:lnRef idx="2">
+            <a:schemeClr val="accent1"/>
+          </a:lnRef>
+          <a:fillRef idx="0">
+            <a:srgbClr val="FFFFFF"/>
+          </a:fillRef>
+          <a:effectRef idx="0">
+            <a:srgbClr val="FFFFFF"/>
+          </a:effectRef>
+          <a:fontRef idx="minor">
+            <a:schemeClr val="tx1"/>
+          </a:fontRef>
+        </p:style>
+      </p:cxnSp>
+      <p:cxnSp>
+        <p:nvCxnSpPr>
+          <p:cNvPr id="20" name="Straight Connector 19"/>
+          <p:cNvCxnSpPr/>
+          <p:nvPr/>
+        </p:nvCxnSpPr>
+        <p:spPr>
+          <a:xfrm>
+            <a:off x="4065905" y="2345690"/>
+            <a:ext cx="886460" cy="0"/>
+          </a:xfrm>
+          <a:prstGeom prst="line">
+            <a:avLst/>
+          </a:prstGeom>
+          <a:ln w="41275" cmpd="sng">
+            <a:solidFill>
+              <a:schemeClr val="bg2">
+                <a:lumMod val="50000"/>
+              </a:schemeClr>
+            </a:solidFill>
+            <a:prstDash val="solid"/>
+          </a:ln>
+        </p:spPr>
+        <p:style>
+          <a:lnRef idx="2">
+            <a:schemeClr val="accent1"/>
+          </a:lnRef>
+          <a:fillRef idx="0">
+            <a:srgbClr val="FFFFFF"/>
+          </a:fillRef>
+          <a:effectRef idx="0">
+            <a:srgbClr val="FFFFFF"/>
+          </a:effectRef>
+          <a:fontRef idx="minor">
+            <a:schemeClr val="tx1"/>
+          </a:fontRef>
+        </p:style>
+      </p:cxnSp>
+      <p:cxnSp>
+        <p:nvCxnSpPr>
+          <p:cNvPr id="21" name="Straight Connector 20"/>
+          <p:cNvCxnSpPr/>
+          <p:nvPr/>
+        </p:nvCxnSpPr>
+        <p:spPr>
+          <a:xfrm>
+            <a:off x="4542790" y="2203450"/>
+            <a:ext cx="409575" cy="0"/>
+          </a:xfrm>
+          <a:prstGeom prst="line">
+            <a:avLst/>
+          </a:prstGeom>
+          <a:ln w="41275" cmpd="sng">
+            <a:solidFill>
+              <a:schemeClr val="bg2">
+                <a:lumMod val="50000"/>
+              </a:schemeClr>
+            </a:solidFill>
+            <a:prstDash val="solid"/>
+          </a:ln>
+        </p:spPr>
+        <p:style>
+          <a:lnRef idx="2">
+            <a:schemeClr val="accent1"/>
+          </a:lnRef>
+          <a:fillRef idx="0">
+            <a:srgbClr val="FFFFFF"/>
+          </a:fillRef>
+          <a:effectRef idx="0">
+            <a:srgbClr val="FFFFFF"/>
+          </a:effectRef>
+          <a:fontRef idx="minor">
+            <a:schemeClr val="tx1"/>
+          </a:fontRef>
+        </p:style>
+      </p:cxnSp>
+      <p:sp>
+        <p:nvSpPr>
+          <p:cNvPr id="22" name="Oval 21"/>
+          <p:cNvSpPr/>
+          <p:nvPr/>
+        </p:nvSpPr>
+        <p:spPr>
+          <a:xfrm>
+            <a:off x="2042795" y="2148840"/>
+            <a:ext cx="102235" cy="108585"/>
+          </a:xfrm>
+          <a:prstGeom prst="ellipse">
+            <a:avLst/>
+          </a:prstGeom>
+          <a:solidFill>
+            <a:schemeClr val="accent2"/>
+          </a:solidFill>
+          <a:ln>
+            <a:noFill/>
+          </a:ln>
+        </p:spPr>
+        <p:style>
+          <a:lnRef idx="2">
+            <a:schemeClr val="accent1">
+              <a:lumMod val="75000"/>
+            </a:schemeClr>
+          </a:lnRef>
+          <a:fillRef idx="1">
+            <a:schemeClr val="accent1"/>
+          </a:fillRef>
+          <a:effectRef idx="0">
+            <a:srgbClr val="FFFFFF"/>
+          </a:effectRef>
+          <a:fontRef idx="minor">
+            <a:schemeClr val="lt1"/>
+          </a:fontRef>
+        </p:style>
+        <p:txBody>
+          <a:bodyPr rtlCol="0" anchor="ctr"/>
+          <a:p>
+            <a:pPr algn="ctr"/>
+            <a:endParaRPr lang="en-US"/>
+          </a:p>
+        </p:txBody>
+      </p:sp>
+      <p:sp>
+        <p:nvSpPr>
+          <p:cNvPr id="23" name="Oval 22"/>
+          <p:cNvSpPr/>
+          <p:nvPr/>
+        </p:nvSpPr>
+        <p:spPr>
+          <a:xfrm>
+            <a:off x="2042795" y="2272665"/>
+            <a:ext cx="102235" cy="108585"/>
+          </a:xfrm>
+          <a:prstGeom prst="ellipse">
+            <a:avLst/>
+          </a:prstGeom>
+          <a:solidFill>
+            <a:schemeClr val="accent2"/>
+          </a:solidFill>
+          <a:ln>
+            <a:noFill/>
+          </a:ln>
+        </p:spPr>
+        <p:style>
+          <a:lnRef idx="2">
+            <a:schemeClr val="accent1">
+              <a:lumMod val="75000"/>
+            </a:schemeClr>
+          </a:lnRef>
+          <a:fillRef idx="1">
+            <a:schemeClr val="accent1"/>
+          </a:fillRef>
+          <a:effectRef idx="0">
+            <a:srgbClr val="FFFFFF"/>
+          </a:effectRef>
+          <a:fontRef idx="minor">
+            <a:schemeClr val="lt1"/>
+          </a:fontRef>
+        </p:style>
+        <p:txBody>
+          <a:bodyPr rtlCol="0" anchor="ctr"/>
+          <a:p>
+            <a:pPr algn="ctr"/>
+            <a:endParaRPr lang="en-US"/>
+          </a:p>
+        </p:txBody>
+      </p:sp>
+      <p:sp>
+        <p:nvSpPr>
+          <p:cNvPr id="24" name="Oval 23"/>
+          <p:cNvSpPr/>
+          <p:nvPr/>
+        </p:nvSpPr>
+        <p:spPr>
+          <a:xfrm>
+            <a:off x="2042795" y="2392045"/>
+            <a:ext cx="102235" cy="108585"/>
+          </a:xfrm>
+          <a:prstGeom prst="ellipse">
+            <a:avLst/>
+          </a:prstGeom>
+          <a:solidFill>
+            <a:schemeClr val="accent2"/>
+          </a:solidFill>
+          <a:ln>
+            <a:noFill/>
+          </a:ln>
+        </p:spPr>
+        <p:style>
+          <a:lnRef idx="2">
+            <a:schemeClr val="accent1">
+              <a:lumMod val="75000"/>
+            </a:schemeClr>
+          </a:lnRef>
+          <a:fillRef idx="1">
+            <a:schemeClr val="accent1"/>
+          </a:fillRef>
+          <a:effectRef idx="0">
+            <a:srgbClr val="FFFFFF"/>
+          </a:effectRef>
+          <a:fontRef idx="minor">
+            <a:schemeClr val="lt1"/>
+          </a:fontRef>
+        </p:style>
+        <p:txBody>
+          <a:bodyPr rtlCol="0" anchor="ctr"/>
+          <a:p>
+            <a:pPr algn="ctr"/>
+            <a:endParaRPr lang="en-US"/>
+          </a:p>
+        </p:txBody>
+      </p:sp>
+      <p:sp>
+        <p:nvSpPr>
+          <p:cNvPr id="25" name="Oval 24"/>
+          <p:cNvSpPr/>
+          <p:nvPr/>
+        </p:nvSpPr>
+        <p:spPr>
+          <a:xfrm>
+            <a:off x="2042795" y="2517140"/>
+            <a:ext cx="102235" cy="108585"/>
+          </a:xfrm>
+          <a:prstGeom prst="ellipse">
+            <a:avLst/>
+          </a:prstGeom>
+          <a:solidFill>
+            <a:schemeClr val="accent2"/>
+          </a:solidFill>
+          <a:ln>
+            <a:noFill/>
+          </a:ln>
+        </p:spPr>
+        <p:style>
+          <a:lnRef idx="2">
+            <a:schemeClr val="accent1">
+              <a:lumMod val="75000"/>
+            </a:schemeClr>
+          </a:lnRef>
+          <a:fillRef idx="1">
+            <a:schemeClr val="accent1"/>
+          </a:fillRef>
+          <a:effectRef idx="0">
+            <a:srgbClr val="FFFFFF"/>
+          </a:effectRef>
+          <a:fontRef idx="minor">
+            <a:schemeClr val="lt1"/>
+          </a:fontRef>
+        </p:style>
+        <p:txBody>
+          <a:bodyPr rtlCol="0" anchor="ctr"/>
+          <a:p>
+            <a:pPr algn="ctr"/>
+            <a:endParaRPr lang="en-US"/>
+          </a:p>
+        </p:txBody>
+      </p:sp>
+      <p:sp>
+        <p:nvSpPr>
+          <p:cNvPr id="26" name="Oval 25"/>
+          <p:cNvSpPr/>
+          <p:nvPr/>
+        </p:nvSpPr>
+        <p:spPr>
+          <a:xfrm>
+            <a:off x="2042795" y="2643505"/>
+            <a:ext cx="102235" cy="108585"/>
+          </a:xfrm>
+          <a:prstGeom prst="ellipse">
+            <a:avLst/>
+          </a:prstGeom>
+          <a:solidFill>
+            <a:schemeClr val="accent2"/>
+          </a:solidFill>
+          <a:ln>
+            <a:noFill/>
+          </a:ln>
+        </p:spPr>
+        <p:style>
+          <a:lnRef idx="2">
+            <a:schemeClr val="accent1">
+              <a:lumMod val="75000"/>
+            </a:schemeClr>
+          </a:lnRef>
+          <a:fillRef idx="1">
+            <a:schemeClr val="accent1"/>
+          </a:fillRef>
+          <a:effectRef idx="0">
+            <a:srgbClr val="FFFFFF"/>
+          </a:effectRef>
+          <a:fontRef idx="minor">
+            <a:schemeClr val="lt1"/>
+          </a:fontRef>
+        </p:style>
+        <p:txBody>
+          <a:bodyPr rtlCol="0" anchor="ctr"/>
+          <a:p>
+            <a:pPr algn="ctr"/>
+            <a:endParaRPr lang="en-US"/>
+          </a:p>
+        </p:txBody>
+      </p:sp>
+      <p:sp>
+        <p:nvSpPr>
+          <p:cNvPr id="27" name="Oval 26"/>
+          <p:cNvSpPr/>
+          <p:nvPr/>
+        </p:nvSpPr>
+        <p:spPr>
+          <a:xfrm>
+            <a:off x="4766310" y="2148840"/>
+            <a:ext cx="102235" cy="108585"/>
+          </a:xfrm>
+          <a:prstGeom prst="ellipse">
+            <a:avLst/>
+          </a:prstGeom>
+          <a:solidFill>
+            <a:srgbClr val="FF0000"/>
+          </a:solidFill>
+          <a:ln>
+            <a:noFill/>
+          </a:ln>
+        </p:spPr>
+        <p:style>
+          <a:lnRef idx="2">
+            <a:schemeClr val="accent1">
+              <a:lumMod val="75000"/>
+            </a:schemeClr>
+          </a:lnRef>
+          <a:fillRef idx="1">
+            <a:schemeClr val="accent1"/>
+          </a:fillRef>
+          <a:effectRef idx="0">
+            <a:srgbClr val="FFFFFF"/>
+          </a:effectRef>
+          <a:fontRef idx="minor">
+            <a:schemeClr val="lt1"/>
+          </a:fontRef>
+        </p:style>
+        <p:txBody>
+          <a:bodyPr rtlCol="0" anchor="ctr"/>
+          <a:p>
+            <a:pPr algn="ctr"/>
+            <a:endParaRPr lang="en-US"/>
+          </a:p>
+        </p:txBody>
+      </p:sp>
+      <p:sp>
+        <p:nvSpPr>
+          <p:cNvPr id="29" name="Oval 28"/>
+          <p:cNvSpPr/>
+          <p:nvPr/>
+        </p:nvSpPr>
+        <p:spPr>
+          <a:xfrm>
+            <a:off x="4766310" y="2282825"/>
+            <a:ext cx="102235" cy="108585"/>
+          </a:xfrm>
+          <a:prstGeom prst="ellipse">
+            <a:avLst/>
+          </a:prstGeom>
+          <a:solidFill>
+            <a:srgbClr val="FF0000"/>
+          </a:solidFill>
+          <a:ln>
+            <a:noFill/>
+          </a:ln>
+        </p:spPr>
+        <p:style>
+          <a:lnRef idx="2">
+            <a:schemeClr val="accent1">
+              <a:lumMod val="75000"/>
+            </a:schemeClr>
+          </a:lnRef>
+          <a:fillRef idx="1">
+            <a:schemeClr val="accent1"/>
+          </a:fillRef>
+          <a:effectRef idx="0">
+            <a:srgbClr val="FFFFFF"/>
+          </a:effectRef>
+          <a:fontRef idx="minor">
+            <a:schemeClr val="lt1"/>
+          </a:fontRef>
+        </p:style>
+        <p:txBody>
+          <a:bodyPr rtlCol="0" anchor="ctr"/>
+          <a:p>
+            <a:pPr algn="ctr"/>
+            <a:endParaRPr lang="en-US"/>
+          </a:p>
+        </p:txBody>
+      </p:sp>
+      <p:sp>
+        <p:nvSpPr>
+          <p:cNvPr id="30" name="Oval 29"/>
+          <p:cNvSpPr/>
+          <p:nvPr/>
+        </p:nvSpPr>
+        <p:spPr>
+          <a:xfrm>
+            <a:off x="4766310" y="2416810"/>
+            <a:ext cx="102235" cy="108585"/>
+          </a:xfrm>
+          <a:prstGeom prst="ellipse">
+            <a:avLst/>
+          </a:prstGeom>
+          <a:solidFill>
+            <a:srgbClr val="FF0000"/>
+          </a:solidFill>
+          <a:ln>
+            <a:noFill/>
+          </a:ln>
+        </p:spPr>
+        <p:style>
+          <a:lnRef idx="2">
+            <a:schemeClr val="accent1">
+              <a:lumMod val="75000"/>
+            </a:schemeClr>
+          </a:lnRef>
+          <a:fillRef idx="1">
+            <a:schemeClr val="accent1"/>
+          </a:fillRef>
+          <a:effectRef idx="0">
+            <a:srgbClr val="FFFFFF"/>
+          </a:effectRef>
+          <a:fontRef idx="minor">
+            <a:schemeClr val="lt1"/>
+          </a:fontRef>
+        </p:style>
+        <p:txBody>
+          <a:bodyPr rtlCol="0" anchor="ctr"/>
+          <a:p>
+            <a:pPr algn="ctr"/>
+            <a:endParaRPr lang="en-US"/>
+          </a:p>
+        </p:txBody>
+      </p:sp>
+      <p:sp>
+        <p:nvSpPr>
+          <p:cNvPr id="31" name="Oval 30"/>
+          <p:cNvSpPr/>
+          <p:nvPr/>
+        </p:nvSpPr>
+        <p:spPr>
+          <a:xfrm>
+            <a:off x="4766310" y="2550795"/>
+            <a:ext cx="102235" cy="108585"/>
+          </a:xfrm>
+          <a:prstGeom prst="ellipse">
+            <a:avLst/>
+          </a:prstGeom>
+          <a:solidFill>
+            <a:srgbClr val="FF0000"/>
+          </a:solidFill>
+          <a:ln>
+            <a:noFill/>
+          </a:ln>
+        </p:spPr>
+        <p:style>
+          <a:lnRef idx="2">
+            <a:schemeClr val="accent1">
+              <a:lumMod val="75000"/>
+            </a:schemeClr>
+          </a:lnRef>
+          <a:fillRef idx="1">
+            <a:schemeClr val="accent1"/>
+          </a:fillRef>
+          <a:effectRef idx="0">
+            <a:srgbClr val="FFFFFF"/>
+          </a:effectRef>
+          <a:fontRef idx="minor">
+            <a:schemeClr val="lt1"/>
+          </a:fontRef>
+        </p:style>
+        <p:txBody>
+          <a:bodyPr rtlCol="0" anchor="ctr"/>
+          <a:p>
+            <a:pPr algn="ctr"/>
+            <a:endParaRPr lang="en-US"/>
+          </a:p>
+        </p:txBody>
+      </p:sp>
+      <p:sp>
+        <p:nvSpPr>
+          <p:cNvPr id="32" name="Oval 31"/>
+          <p:cNvSpPr/>
+          <p:nvPr/>
+        </p:nvSpPr>
+        <p:spPr>
+          <a:xfrm>
+            <a:off x="4766310" y="2684780"/>
+            <a:ext cx="102235" cy="108585"/>
+          </a:xfrm>
+          <a:prstGeom prst="ellipse">
+            <a:avLst/>
+          </a:prstGeom>
+          <a:solidFill>
+            <a:srgbClr val="FF0000"/>
+          </a:solidFill>
+          <a:ln>
+            <a:noFill/>
+          </a:ln>
+        </p:spPr>
+        <p:style>
+          <a:lnRef idx="2">
+            <a:schemeClr val="accent1">
+              <a:lumMod val="75000"/>
+            </a:schemeClr>
+          </a:lnRef>
+          <a:fillRef idx="1">
+            <a:schemeClr val="accent1"/>
+          </a:fillRef>
+          <a:effectRef idx="0">
+            <a:srgbClr val="FFFFFF"/>
+          </a:effectRef>
+          <a:fontRef idx="minor">
+            <a:schemeClr val="lt1"/>
+          </a:fontRef>
+        </p:style>
+        <p:txBody>
+          <a:bodyPr rtlCol="0" anchor="ctr"/>
+          <a:p>
+            <a:pPr algn="ctr"/>
+            <a:endParaRPr lang="en-US"/>
+          </a:p>
+        </p:txBody>
+      </p:sp>
+      <p:sp>
+        <p:nvSpPr>
+          <p:cNvPr id="33" name="Text Box 32"/>
+          <p:cNvSpPr txBox="1"/>
+          <p:nvPr/>
+        </p:nvSpPr>
+        <p:spPr>
+          <a:xfrm>
+            <a:off x="1925955" y="1898650"/>
+            <a:ext cx="4200525" cy="306705"/>
+          </a:xfrm>
+          <a:prstGeom prst="rect">
+            <a:avLst/>
+          </a:prstGeom>
+          <a:noFill/>
+        </p:spPr>
+        <p:txBody>
+          <a:bodyPr wrap="square" rtlCol="0">
+            <a:spAutoFit/>
+          </a:bodyPr>
+          <a:p>
+            <a:r>
+              <a:rPr lang="en-US" sz="1400"/>
+              <a:t>5’ ladder                                 3’ ladder</a:t>
+            </a:r>
+            <a:endParaRPr lang="en-US" sz="1400"/>
+          </a:p>
+        </p:txBody>
+      </p:sp>
+      <p:cxnSp>
+        <p:nvCxnSpPr>
+          <p:cNvPr id="44" name="Straight Connector 43"/>
+          <p:cNvCxnSpPr/>
+          <p:nvPr/>
+        </p:nvCxnSpPr>
+        <p:spPr>
+          <a:xfrm>
+            <a:off x="6701790" y="2595245"/>
+            <a:ext cx="3527425" cy="0"/>
+          </a:xfrm>
+          <a:prstGeom prst="line">
+            <a:avLst/>
+          </a:prstGeom>
+          <a:ln w="28575" cmpd="sng">
+            <a:solidFill>
+              <a:srgbClr val="FF0000"/>
+            </a:solidFill>
+            <a:prstDash val="solid"/>
+          </a:ln>
+        </p:spPr>
+        <p:style>
+          <a:lnRef idx="2">
+            <a:schemeClr val="accent1"/>
+          </a:lnRef>
+          <a:fillRef idx="0">
+            <a:srgbClr val="FFFFFF"/>
+          </a:fillRef>
+          <a:effectRef idx="0">
+            <a:srgbClr val="FFFFFF"/>
+          </a:effectRef>
+          <a:fontRef idx="minor">
+            <a:schemeClr val="tx1"/>
+          </a:fontRef>
+        </p:style>
+      </p:cxnSp>
+      <p:sp>
+        <p:nvSpPr>
+          <p:cNvPr id="45" name="Text Box 44"/>
+          <p:cNvSpPr txBox="1"/>
+          <p:nvPr/>
+        </p:nvSpPr>
+        <p:spPr>
+          <a:xfrm>
+            <a:off x="6779260" y="726440"/>
+            <a:ext cx="4064000" cy="460375"/>
+          </a:xfrm>
+          <a:prstGeom prst="rect">
+            <a:avLst/>
+          </a:prstGeom>
+          <a:noFill/>
+        </p:spPr>
+        <p:txBody>
+          <a:bodyPr wrap="square" rtlCol="0">
+            <a:spAutoFit/>
+          </a:bodyPr>
+          <a:p>
+            <a:r>
+              <a:rPr lang="en-US" sz="1200"/>
+              <a:t>Bars: different RNA fragments</a:t>
+            </a:r>
+            <a:endParaRPr lang="en-US" sz="1200"/>
+          </a:p>
+          <a:p>
+            <a:r>
+              <a:rPr lang="en-US" sz="1200"/>
+              <a:t>       : ~10% of the most abundant RNA intensity</a:t>
+            </a:r>
+            <a:endParaRPr lang="en-US" sz="1200"/>
+          </a:p>
+        </p:txBody>
+      </p:sp>
+      <p:cxnSp>
+        <p:nvCxnSpPr>
+          <p:cNvPr id="46" name="Straight Connector 45"/>
+          <p:cNvCxnSpPr/>
+          <p:nvPr/>
+        </p:nvCxnSpPr>
+        <p:spPr>
+          <a:xfrm>
+            <a:off x="6887210" y="1053465"/>
+            <a:ext cx="239395" cy="0"/>
+          </a:xfrm>
+          <a:prstGeom prst="line">
+            <a:avLst/>
+          </a:prstGeom>
+          <a:ln w="41275" cmpd="sng">
+            <a:solidFill>
+              <a:srgbClr val="FF0000"/>
+            </a:solidFill>
+            <a:prstDash val="solid"/>
+          </a:ln>
+        </p:spPr>
+        <p:style>
+          <a:lnRef idx="2">
+            <a:schemeClr val="accent1"/>
+          </a:lnRef>
+          <a:fillRef idx="0">
+            <a:srgbClr val="FFFFFF"/>
+          </a:fillRef>
+          <a:effectRef idx="0">
+            <a:srgbClr val="FFFFFF"/>
+          </a:effectRef>
+          <a:fontRef idx="minor">
+            <a:schemeClr val="tx1"/>
+          </a:fontRef>
+        </p:style>
+      </p:cxnSp>
+    </p:spTree>
+  </p:cSld>
+  <p:clrMapOvr>
+    <a:masterClrMapping/>
+  </p:clrMapOvr>
+</p:sld>
+</file>
+
+<file path=ppt/slides/slide4.xml><?xml version="1.0" encoding="utf-8"?>
+<p:sld xmlns:a="http://schemas.openxmlformats.org/drawingml/2006/main" xmlns:r="http://schemas.openxmlformats.org/officeDocument/2006/relationships" xmlns:p="http://schemas.openxmlformats.org/presentationml/2006/main">
+  <p:cSld>
+    <p:spTree>
+      <p:nvGrpSpPr>
+        <p:cNvPr id="1" name=""/>
+        <p:cNvGrpSpPr/>
+        <p:nvPr/>
+      </p:nvGrpSpPr>
+      <p:grpSpPr/>
+      <p:pic>
+        <p:nvPicPr>
+          <p:cNvPr id="50" name="Picture 49" descr="Screenshot 2025-01-26 at 12.02.49 PM"/>
+          <p:cNvPicPr>
+            <a:picLocks noChangeAspect="1"/>
+          </p:cNvPicPr>
+          <p:nvPr/>
+        </p:nvPicPr>
+        <p:blipFill>
+          <a:blip r:embed="rId1"/>
+          <a:stretch>
+            <a:fillRect/>
+          </a:stretch>
+        </p:blipFill>
+        <p:spPr>
+          <a:xfrm>
+            <a:off x="6623050" y="456565"/>
+            <a:ext cx="3606165" cy="2473325"/>
+          </a:xfrm>
+          <a:prstGeom prst="rect">
+            <a:avLst/>
+          </a:prstGeom>
+        </p:spPr>
+      </p:pic>
+      <p:pic>
+        <p:nvPicPr>
+          <p:cNvPr id="5" name="Picture 4" descr="Screenshot 2025-01-26 at 12.05.38 PM"/>
+          <p:cNvPicPr>
+            <a:picLocks noChangeAspect="1"/>
+          </p:cNvPicPr>
+          <p:nvPr/>
+        </p:nvPicPr>
+        <p:blipFill>
+          <a:blip r:embed="rId2"/>
+          <a:stretch>
+            <a:fillRect/>
+          </a:stretch>
+        </p:blipFill>
+        <p:spPr>
+          <a:xfrm>
+            <a:off x="6631305" y="3867150"/>
+            <a:ext cx="3597910" cy="2473325"/>
+          </a:xfrm>
+          <a:prstGeom prst="rect">
+            <a:avLst/>
+          </a:prstGeom>
+        </p:spPr>
+      </p:pic>
+      <p:cxnSp>
+        <p:nvCxnSpPr>
+          <p:cNvPr id="44" name="Straight Connector 43"/>
+          <p:cNvCxnSpPr/>
+          <p:nvPr/>
+        </p:nvCxnSpPr>
+        <p:spPr>
+          <a:xfrm>
+            <a:off x="6701790" y="2298065"/>
+            <a:ext cx="3527425" cy="0"/>
+          </a:xfrm>
+          <a:prstGeom prst="line">
+            <a:avLst/>
+          </a:prstGeom>
+          <a:ln w="28575" cmpd="sng">
+            <a:solidFill>
+              <a:srgbClr val="FF0000"/>
+            </a:solidFill>
+            <a:prstDash val="solid"/>
+          </a:ln>
+        </p:spPr>
+        <p:style>
+          <a:lnRef idx="2">
+            <a:schemeClr val="accent1"/>
+          </a:lnRef>
+          <a:fillRef idx="0">
+            <a:srgbClr val="FFFFFF"/>
+          </a:fillRef>
+          <a:effectRef idx="0">
+            <a:srgbClr val="FFFFFF"/>
+          </a:effectRef>
+          <a:fontRef idx="minor">
+            <a:schemeClr val="tx1"/>
+          </a:fontRef>
+        </p:style>
+      </p:cxnSp>
+      <p:cxnSp>
+        <p:nvCxnSpPr>
+          <p:cNvPr id="6" name="Straight Connector 5"/>
+          <p:cNvCxnSpPr/>
+          <p:nvPr/>
+        </p:nvCxnSpPr>
+        <p:spPr>
+          <a:xfrm>
+            <a:off x="6701790" y="5664200"/>
+            <a:ext cx="3527425" cy="0"/>
+          </a:xfrm>
+          <a:prstGeom prst="line">
+            <a:avLst/>
+          </a:prstGeom>
+          <a:ln w="28575" cmpd="sng">
+            <a:solidFill>
+              <a:srgbClr val="FF0000"/>
+            </a:solidFill>
+            <a:prstDash val="solid"/>
+          </a:ln>
+        </p:spPr>
+        <p:style>
+          <a:lnRef idx="2">
+            <a:schemeClr val="accent1"/>
+          </a:lnRef>
+          <a:fillRef idx="0">
+            <a:srgbClr val="FFFFFF"/>
+          </a:fillRef>
+          <a:effectRef idx="0">
+            <a:srgbClr val="FFFFFF"/>
+          </a:effectRef>
+          <a:fontRef idx="minor">
+            <a:schemeClr val="tx1"/>
+          </a:fontRef>
+        </p:style>
+      </p:cxnSp>
+    </p:spTree>
   </p:cSld>
   <p:clrMapOvr>
     <a:masterClrMapping/>

--- a/Data/sgRNA/Figure1/figure1.pptx
+++ b/Data/sgRNA/Figure1/figure1.pptx
@@ -9,6 +9,7 @@
     <p:sldId id="258" r:id="rId4"/>
     <p:sldId id="257" r:id="rId5"/>
     <p:sldId id="259" r:id="rId6"/>
+    <p:sldId id="260" r:id="rId7"/>
   </p:sldIdLst>
   <p:sldSz cx="12192000" cy="6858000"/>
   <p:notesSz cx="6858000" cy="9144000"/>
@@ -4976,7 +4977,7 @@
       <p:grpSpPr/>
       <p:pic>
         <p:nvPicPr>
-          <p:cNvPr id="50" name="Picture 49" descr="Screenshot 2025-01-26 at 12.02.49 PM"/>
+          <p:cNvPr id="34" name="Picture 33" descr="Screenshot 2025-01-26 at 12.14.00 PM"/>
           <p:cNvPicPr>
             <a:picLocks noChangeAspect="1"/>
           </p:cNvPicPr>
@@ -4990,8 +4991,8 @@
         </p:blipFill>
         <p:spPr>
           <a:xfrm>
-            <a:off x="6623050" y="456565"/>
-            <a:ext cx="3606165" cy="2473325"/>
+            <a:off x="6690360" y="433705"/>
+            <a:ext cx="3562985" cy="2473325"/>
           </a:xfrm>
           <a:prstGeom prst="rect">
             <a:avLst/>
@@ -5014,7 +5015,7 @@
         </p:blipFill>
         <p:spPr>
           <a:xfrm>
-            <a:off x="6631305" y="3867150"/>
+            <a:off x="6631305" y="3513455"/>
             <a:ext cx="3597910" cy="2473325"/>
           </a:xfrm>
           <a:prstGeom prst="rect">
@@ -5030,7 +5031,7 @@
         </p:nvCxnSpPr>
         <p:spPr>
           <a:xfrm>
-            <a:off x="6701790" y="2298065"/>
+            <a:off x="6690360" y="2265680"/>
             <a:ext cx="3527425" cy="0"/>
           </a:xfrm>
           <a:prstGeom prst="line">
@@ -5066,6 +5067,192 @@
         </p:nvCxnSpPr>
         <p:spPr>
           <a:xfrm>
+            <a:off x="6701790" y="5332095"/>
+            <a:ext cx="3527425" cy="0"/>
+          </a:xfrm>
+          <a:prstGeom prst="line">
+            <a:avLst/>
+          </a:prstGeom>
+          <a:ln w="28575" cmpd="sng">
+            <a:solidFill>
+              <a:srgbClr val="FF0000"/>
+            </a:solidFill>
+            <a:prstDash val="solid"/>
+          </a:ln>
+        </p:spPr>
+        <p:style>
+          <a:lnRef idx="2">
+            <a:schemeClr val="accent1"/>
+          </a:lnRef>
+          <a:fillRef idx="0">
+            <a:srgbClr val="FFFFFF"/>
+          </a:fillRef>
+          <a:effectRef idx="0">
+            <a:srgbClr val="FFFFFF"/>
+          </a:effectRef>
+          <a:fontRef idx="minor">
+            <a:schemeClr val="tx1"/>
+          </a:fontRef>
+        </p:style>
+      </p:cxnSp>
+      <p:pic>
+        <p:nvPicPr>
+          <p:cNvPr id="7" name="Picture 6" descr="Screenshot 2025-01-26 at 12.11.31 PM"/>
+          <p:cNvPicPr>
+            <a:picLocks noChangeAspect="1"/>
+          </p:cNvPicPr>
+          <p:nvPr/>
+        </p:nvPicPr>
+        <p:blipFill>
+          <a:blip r:embed="rId3"/>
+          <a:stretch>
+            <a:fillRect/>
+          </a:stretch>
+        </p:blipFill>
+        <p:spPr>
+          <a:xfrm>
+            <a:off x="1673860" y="3513455"/>
+            <a:ext cx="3585845" cy="2442845"/>
+          </a:xfrm>
+          <a:prstGeom prst="rect">
+            <a:avLst/>
+          </a:prstGeom>
+        </p:spPr>
+      </p:pic>
+      <p:pic>
+        <p:nvPicPr>
+          <p:cNvPr id="35" name="Picture 34" descr="Screenshot 2025-01-26 at 12.15.24 PM"/>
+          <p:cNvPicPr>
+            <a:picLocks noChangeAspect="1"/>
+          </p:cNvPicPr>
+          <p:nvPr/>
+        </p:nvPicPr>
+        <p:blipFill>
+          <a:blip r:embed="rId4"/>
+          <a:stretch>
+            <a:fillRect/>
+          </a:stretch>
+        </p:blipFill>
+        <p:spPr>
+          <a:xfrm>
+            <a:off x="1613535" y="356235"/>
+            <a:ext cx="3666490" cy="2550795"/>
+          </a:xfrm>
+          <a:prstGeom prst="rect">
+            <a:avLst/>
+          </a:prstGeom>
+        </p:spPr>
+      </p:pic>
+    </p:spTree>
+  </p:cSld>
+  <p:clrMapOvr>
+    <a:masterClrMapping/>
+  </p:clrMapOvr>
+</p:sld>
+</file>
+
+<file path=ppt/slides/slide5.xml><?xml version="1.0" encoding="utf-8"?>
+<p:sld xmlns:a="http://schemas.openxmlformats.org/drawingml/2006/main" xmlns:r="http://schemas.openxmlformats.org/officeDocument/2006/relationships" xmlns:p="http://schemas.openxmlformats.org/presentationml/2006/main">
+  <p:cSld>
+    <p:spTree>
+      <p:nvGrpSpPr>
+        <p:cNvPr id="1" name=""/>
+        <p:cNvGrpSpPr/>
+        <p:nvPr/>
+      </p:nvGrpSpPr>
+      <p:grpSpPr/>
+      <p:pic>
+        <p:nvPicPr>
+          <p:cNvPr id="50" name="Picture 49" descr="Screenshot 2025-01-26 at 12.02.49 PM"/>
+          <p:cNvPicPr>
+            <a:picLocks noChangeAspect="1"/>
+          </p:cNvPicPr>
+          <p:nvPr/>
+        </p:nvPicPr>
+        <p:blipFill>
+          <a:blip r:embed="rId1"/>
+          <a:stretch>
+            <a:fillRect/>
+          </a:stretch>
+        </p:blipFill>
+        <p:spPr>
+          <a:xfrm>
+            <a:off x="6623050" y="456565"/>
+            <a:ext cx="3606165" cy="2473325"/>
+          </a:xfrm>
+          <a:prstGeom prst="rect">
+            <a:avLst/>
+          </a:prstGeom>
+        </p:spPr>
+      </p:pic>
+      <p:pic>
+        <p:nvPicPr>
+          <p:cNvPr id="5" name="Picture 4" descr="Screenshot 2025-01-26 at 12.05.38 PM"/>
+          <p:cNvPicPr>
+            <a:picLocks noChangeAspect="1"/>
+          </p:cNvPicPr>
+          <p:nvPr/>
+        </p:nvPicPr>
+        <p:blipFill>
+          <a:blip r:embed="rId2"/>
+          <a:stretch>
+            <a:fillRect/>
+          </a:stretch>
+        </p:blipFill>
+        <p:spPr>
+          <a:xfrm>
+            <a:off x="6631305" y="3867150"/>
+            <a:ext cx="3597910" cy="2473325"/>
+          </a:xfrm>
+          <a:prstGeom prst="rect">
+            <a:avLst/>
+          </a:prstGeom>
+        </p:spPr>
+      </p:pic>
+      <p:cxnSp>
+        <p:nvCxnSpPr>
+          <p:cNvPr id="44" name="Straight Connector 43"/>
+          <p:cNvCxnSpPr/>
+          <p:nvPr/>
+        </p:nvCxnSpPr>
+        <p:spPr>
+          <a:xfrm>
+            <a:off x="6701790" y="2298065"/>
+            <a:ext cx="3527425" cy="0"/>
+          </a:xfrm>
+          <a:prstGeom prst="line">
+            <a:avLst/>
+          </a:prstGeom>
+          <a:ln w="28575" cmpd="sng">
+            <a:solidFill>
+              <a:srgbClr val="FF0000"/>
+            </a:solidFill>
+            <a:prstDash val="solid"/>
+          </a:ln>
+        </p:spPr>
+        <p:style>
+          <a:lnRef idx="2">
+            <a:schemeClr val="accent1"/>
+          </a:lnRef>
+          <a:fillRef idx="0">
+            <a:srgbClr val="FFFFFF"/>
+          </a:fillRef>
+          <a:effectRef idx="0">
+            <a:srgbClr val="FFFFFF"/>
+          </a:effectRef>
+          <a:fontRef idx="minor">
+            <a:schemeClr val="tx1"/>
+          </a:fontRef>
+        </p:style>
+      </p:cxnSp>
+      <p:cxnSp>
+        <p:nvCxnSpPr>
+          <p:cNvPr id="6" name="Straight Connector 5"/>
+          <p:cNvCxnSpPr/>
+          <p:nvPr/>
+        </p:nvCxnSpPr>
+        <p:spPr>
+          <a:xfrm>
             <a:off x="6701790" y="5664200"/>
             <a:ext cx="3527425" cy="0"/>
           </a:xfrm>
@@ -5073,6 +5260,1119 @@
             <a:avLst/>
           </a:prstGeom>
           <a:ln w="28575" cmpd="sng">
+            <a:solidFill>
+              <a:srgbClr val="FF0000"/>
+            </a:solidFill>
+            <a:prstDash val="solid"/>
+          </a:ln>
+        </p:spPr>
+        <p:style>
+          <a:lnRef idx="2">
+            <a:schemeClr val="accent1"/>
+          </a:lnRef>
+          <a:fillRef idx="0">
+            <a:srgbClr val="FFFFFF"/>
+          </a:fillRef>
+          <a:effectRef idx="0">
+            <a:srgbClr val="FFFFFF"/>
+          </a:effectRef>
+          <a:fontRef idx="minor">
+            <a:schemeClr val="tx1"/>
+          </a:fontRef>
+        </p:style>
+      </p:cxnSp>
+      <p:pic>
+        <p:nvPicPr>
+          <p:cNvPr id="7" name="Picture 6" descr="Screenshot 2025-01-26 at 12.11.31 PM"/>
+          <p:cNvPicPr>
+            <a:picLocks noChangeAspect="1"/>
+          </p:cNvPicPr>
+          <p:nvPr/>
+        </p:nvPicPr>
+        <p:blipFill>
+          <a:blip r:embed="rId3"/>
+          <a:stretch>
+            <a:fillRect/>
+          </a:stretch>
+        </p:blipFill>
+        <p:spPr>
+          <a:xfrm>
+            <a:off x="1613535" y="3884295"/>
+            <a:ext cx="3606165" cy="2456180"/>
+          </a:xfrm>
+          <a:prstGeom prst="rect">
+            <a:avLst/>
+          </a:prstGeom>
+        </p:spPr>
+      </p:pic>
+      <p:pic>
+        <p:nvPicPr>
+          <p:cNvPr id="48" name="Picture 47" descr="Screenshot 2025-01-26 at 12.00.45 PM"/>
+          <p:cNvPicPr>
+            <a:picLocks noChangeAspect="1"/>
+          </p:cNvPicPr>
+          <p:nvPr/>
+        </p:nvPicPr>
+        <p:blipFill>
+          <a:blip r:embed="rId4"/>
+          <a:stretch>
+            <a:fillRect/>
+          </a:stretch>
+        </p:blipFill>
+        <p:spPr>
+          <a:xfrm>
+            <a:off x="6586220" y="726440"/>
+            <a:ext cx="3667125" cy="2514600"/>
+          </a:xfrm>
+          <a:prstGeom prst="rect">
+            <a:avLst/>
+          </a:prstGeom>
+        </p:spPr>
+      </p:pic>
+      <p:sp>
+        <p:nvSpPr>
+          <p:cNvPr id="8" name="Rectangles 7"/>
+          <p:cNvSpPr/>
+          <p:nvPr/>
+        </p:nvSpPr>
+        <p:spPr>
+          <a:xfrm>
+            <a:off x="1600200" y="726440"/>
+            <a:ext cx="3619500" cy="1198245"/>
+          </a:xfrm>
+          <a:prstGeom prst="rect">
+            <a:avLst/>
+          </a:prstGeom>
+          <a:solidFill>
+            <a:schemeClr val="accent2">
+              <a:lumMod val="20000"/>
+              <a:lumOff val="80000"/>
+            </a:schemeClr>
+          </a:solidFill>
+          <a:ln>
+            <a:noFill/>
+          </a:ln>
+        </p:spPr>
+        <p:style>
+          <a:lnRef idx="2">
+            <a:schemeClr val="accent1">
+              <a:lumMod val="75000"/>
+            </a:schemeClr>
+          </a:lnRef>
+          <a:fillRef idx="1">
+            <a:schemeClr val="accent1"/>
+          </a:fillRef>
+          <a:effectRef idx="0">
+            <a:srgbClr val="FFFFFF"/>
+          </a:effectRef>
+          <a:fontRef idx="minor">
+            <a:schemeClr val="lt1"/>
+          </a:fontRef>
+        </p:style>
+        <p:txBody>
+          <a:bodyPr rtlCol="0" anchor="ctr"/>
+          <a:p>
+            <a:pPr algn="ctr"/>
+            <a:endParaRPr lang="en-US"/>
+          </a:p>
+        </p:txBody>
+      </p:sp>
+      <p:sp>
+        <p:nvSpPr>
+          <p:cNvPr id="9" name="Text Box 8"/>
+          <p:cNvSpPr txBox="1"/>
+          <p:nvPr/>
+        </p:nvSpPr>
+        <p:spPr>
+          <a:xfrm>
+            <a:off x="1377950" y="726440"/>
+            <a:ext cx="4064000" cy="1198880"/>
+          </a:xfrm>
+          <a:prstGeom prst="rect">
+            <a:avLst/>
+          </a:prstGeom>
+          <a:noFill/>
+        </p:spPr>
+        <p:txBody>
+          <a:bodyPr wrap="square" rtlCol="0">
+            <a:spAutoFit/>
+          </a:bodyPr>
+          <a:p>
+            <a:pPr algn="ctr"/>
+            <a:r>
+              <a:rPr lang="en-US" b="1">
+                <a:latin typeface="Arial Bold" panose="020B0604020202090204" charset="0"/>
+                <a:cs typeface="Arial Bold" panose="020B0604020202090204" charset="0"/>
+              </a:rPr>
+              <a:t>Analytical Run</a:t>
+            </a:r>
+            <a:endParaRPr lang="en-US" b="1">
+              <a:latin typeface="Arial Bold" panose="020B0604020202090204" charset="0"/>
+              <a:cs typeface="Arial Bold" panose="020B0604020202090204" charset="0"/>
+            </a:endParaRPr>
+          </a:p>
+          <a:p>
+            <a:pPr algn="ctr"/>
+            <a:r>
+              <a:rPr lang="en-US" i="1">
+                <a:latin typeface="Arial Italic" panose="020B0604020202090204" charset="0"/>
+                <a:cs typeface="Arial Italic" panose="020B0604020202090204" charset="0"/>
+              </a:rPr>
+              <a:t>Optimal sample amount and acid hydrolysis conditions to generate ladder fragments</a:t>
+            </a:r>
+            <a:endParaRPr lang="en-US" i="1">
+              <a:latin typeface="Arial Italic" panose="020B0604020202090204" charset="0"/>
+              <a:cs typeface="Arial Italic" panose="020B0604020202090204" charset="0"/>
+            </a:endParaRPr>
+          </a:p>
+        </p:txBody>
+      </p:sp>
+      <p:cxnSp>
+        <p:nvCxnSpPr>
+          <p:cNvPr id="10" name="Straight Connector 9"/>
+          <p:cNvCxnSpPr/>
+          <p:nvPr/>
+        </p:nvCxnSpPr>
+        <p:spPr>
+          <a:xfrm>
+            <a:off x="1925955" y="2203450"/>
+            <a:ext cx="2291080" cy="0"/>
+          </a:xfrm>
+          <a:prstGeom prst="line">
+            <a:avLst/>
+          </a:prstGeom>
+          <a:ln w="41275" cmpd="sng">
+            <a:solidFill>
+              <a:schemeClr val="bg2">
+                <a:lumMod val="50000"/>
+              </a:schemeClr>
+            </a:solidFill>
+            <a:prstDash val="solid"/>
+          </a:ln>
+        </p:spPr>
+        <p:style>
+          <a:lnRef idx="2">
+            <a:schemeClr val="accent1"/>
+          </a:lnRef>
+          <a:fillRef idx="0">
+            <a:srgbClr val="FFFFFF"/>
+          </a:fillRef>
+          <a:effectRef idx="0">
+            <a:srgbClr val="FFFFFF"/>
+          </a:effectRef>
+          <a:fontRef idx="minor">
+            <a:schemeClr val="tx1"/>
+          </a:fontRef>
+        </p:style>
+      </p:cxnSp>
+      <p:cxnSp>
+        <p:nvCxnSpPr>
+          <p:cNvPr id="11" name="Straight Connector 10"/>
+          <p:cNvCxnSpPr/>
+          <p:nvPr/>
+        </p:nvCxnSpPr>
+        <p:spPr>
+          <a:xfrm>
+            <a:off x="1925955" y="2330450"/>
+            <a:ext cx="1826895" cy="0"/>
+          </a:xfrm>
+          <a:prstGeom prst="line">
+            <a:avLst/>
+          </a:prstGeom>
+          <a:ln w="41275" cmpd="sng">
+            <a:solidFill>
+              <a:schemeClr val="bg2">
+                <a:lumMod val="50000"/>
+              </a:schemeClr>
+            </a:solidFill>
+            <a:prstDash val="solid"/>
+          </a:ln>
+        </p:spPr>
+        <p:style>
+          <a:lnRef idx="2">
+            <a:schemeClr val="accent1"/>
+          </a:lnRef>
+          <a:fillRef idx="0">
+            <a:srgbClr val="FFFFFF"/>
+          </a:fillRef>
+          <a:effectRef idx="0">
+            <a:srgbClr val="FFFFFF"/>
+          </a:effectRef>
+          <a:fontRef idx="minor">
+            <a:schemeClr val="tx1"/>
+          </a:fontRef>
+        </p:style>
+      </p:cxnSp>
+      <p:cxnSp>
+        <p:nvCxnSpPr>
+          <p:cNvPr id="12" name="Straight Connector 11"/>
+          <p:cNvCxnSpPr/>
+          <p:nvPr/>
+        </p:nvCxnSpPr>
+        <p:spPr>
+          <a:xfrm>
+            <a:off x="1925955" y="2450465"/>
+            <a:ext cx="1402080" cy="0"/>
+          </a:xfrm>
+          <a:prstGeom prst="line">
+            <a:avLst/>
+          </a:prstGeom>
+          <a:ln w="41275" cmpd="sng">
+            <a:solidFill>
+              <a:schemeClr val="bg2">
+                <a:lumMod val="50000"/>
+              </a:schemeClr>
+            </a:solidFill>
+            <a:prstDash val="solid"/>
+          </a:ln>
+        </p:spPr>
+        <p:style>
+          <a:lnRef idx="2">
+            <a:schemeClr val="accent1"/>
+          </a:lnRef>
+          <a:fillRef idx="0">
+            <a:srgbClr val="FFFFFF"/>
+          </a:fillRef>
+          <a:effectRef idx="0">
+            <a:srgbClr val="FFFFFF"/>
+          </a:effectRef>
+          <a:fontRef idx="minor">
+            <a:schemeClr val="tx1"/>
+          </a:fontRef>
+        </p:style>
+      </p:cxnSp>
+      <p:cxnSp>
+        <p:nvCxnSpPr>
+          <p:cNvPr id="13" name="Straight Connector 12"/>
+          <p:cNvCxnSpPr/>
+          <p:nvPr/>
+        </p:nvCxnSpPr>
+        <p:spPr>
+          <a:xfrm>
+            <a:off x="1925955" y="2571115"/>
+            <a:ext cx="886460" cy="0"/>
+          </a:xfrm>
+          <a:prstGeom prst="line">
+            <a:avLst/>
+          </a:prstGeom>
+          <a:ln w="41275" cmpd="sng">
+            <a:solidFill>
+              <a:schemeClr val="bg2">
+                <a:lumMod val="50000"/>
+              </a:schemeClr>
+            </a:solidFill>
+            <a:prstDash val="solid"/>
+          </a:ln>
+        </p:spPr>
+        <p:style>
+          <a:lnRef idx="2">
+            <a:schemeClr val="accent1"/>
+          </a:lnRef>
+          <a:fillRef idx="0">
+            <a:srgbClr val="FFFFFF"/>
+          </a:fillRef>
+          <a:effectRef idx="0">
+            <a:srgbClr val="FFFFFF"/>
+          </a:effectRef>
+          <a:fontRef idx="minor">
+            <a:schemeClr val="tx1"/>
+          </a:fontRef>
+        </p:style>
+      </p:cxnSp>
+      <p:cxnSp>
+        <p:nvCxnSpPr>
+          <p:cNvPr id="15" name="Straight Connector 14"/>
+          <p:cNvCxnSpPr/>
+          <p:nvPr/>
+        </p:nvCxnSpPr>
+        <p:spPr>
+          <a:xfrm>
+            <a:off x="1925955" y="2691765"/>
+            <a:ext cx="409575" cy="0"/>
+          </a:xfrm>
+          <a:prstGeom prst="line">
+            <a:avLst/>
+          </a:prstGeom>
+          <a:ln w="41275" cmpd="sng">
+            <a:solidFill>
+              <a:schemeClr val="bg2">
+                <a:lumMod val="50000"/>
+              </a:schemeClr>
+            </a:solidFill>
+            <a:prstDash val="solid"/>
+          </a:ln>
+        </p:spPr>
+        <p:style>
+          <a:lnRef idx="2">
+            <a:schemeClr val="accent1"/>
+          </a:lnRef>
+          <a:fillRef idx="0">
+            <a:srgbClr val="FFFFFF"/>
+          </a:fillRef>
+          <a:effectRef idx="0">
+            <a:srgbClr val="FFFFFF"/>
+          </a:effectRef>
+          <a:fontRef idx="minor">
+            <a:schemeClr val="tx1"/>
+          </a:fontRef>
+        </p:style>
+      </p:cxnSp>
+      <p:cxnSp>
+        <p:nvCxnSpPr>
+          <p:cNvPr id="17" name="Straight Connector 16"/>
+          <p:cNvCxnSpPr/>
+          <p:nvPr/>
+        </p:nvCxnSpPr>
+        <p:spPr>
+          <a:xfrm>
+            <a:off x="2661285" y="2721610"/>
+            <a:ext cx="2291080" cy="0"/>
+          </a:xfrm>
+          <a:prstGeom prst="line">
+            <a:avLst/>
+          </a:prstGeom>
+          <a:ln w="41275" cmpd="sng">
+            <a:solidFill>
+              <a:schemeClr val="bg2">
+                <a:lumMod val="50000"/>
+              </a:schemeClr>
+            </a:solidFill>
+            <a:prstDash val="solid"/>
+          </a:ln>
+        </p:spPr>
+        <p:style>
+          <a:lnRef idx="2">
+            <a:schemeClr val="accent1"/>
+          </a:lnRef>
+          <a:fillRef idx="0">
+            <a:srgbClr val="FFFFFF"/>
+          </a:fillRef>
+          <a:effectRef idx="0">
+            <a:srgbClr val="FFFFFF"/>
+          </a:effectRef>
+          <a:fontRef idx="minor">
+            <a:schemeClr val="tx1"/>
+          </a:fontRef>
+        </p:style>
+      </p:cxnSp>
+      <p:cxnSp>
+        <p:nvCxnSpPr>
+          <p:cNvPr id="18" name="Straight Connector 17"/>
+          <p:cNvCxnSpPr/>
+          <p:nvPr/>
+        </p:nvCxnSpPr>
+        <p:spPr>
+          <a:xfrm>
+            <a:off x="3125470" y="2595245"/>
+            <a:ext cx="1826895" cy="0"/>
+          </a:xfrm>
+          <a:prstGeom prst="line">
+            <a:avLst/>
+          </a:prstGeom>
+          <a:ln w="41275" cmpd="sng">
+            <a:solidFill>
+              <a:schemeClr val="bg2">
+                <a:lumMod val="50000"/>
+              </a:schemeClr>
+            </a:solidFill>
+            <a:prstDash val="solid"/>
+          </a:ln>
+        </p:spPr>
+        <p:style>
+          <a:lnRef idx="2">
+            <a:schemeClr val="accent1"/>
+          </a:lnRef>
+          <a:fillRef idx="0">
+            <a:srgbClr val="FFFFFF"/>
+          </a:fillRef>
+          <a:effectRef idx="0">
+            <a:srgbClr val="FFFFFF"/>
+          </a:effectRef>
+          <a:fontRef idx="minor">
+            <a:schemeClr val="tx1"/>
+          </a:fontRef>
+        </p:style>
+      </p:cxnSp>
+      <p:cxnSp>
+        <p:nvCxnSpPr>
+          <p:cNvPr id="19" name="Straight Connector 18"/>
+          <p:cNvCxnSpPr/>
+          <p:nvPr/>
+        </p:nvCxnSpPr>
+        <p:spPr>
+          <a:xfrm>
+            <a:off x="3550285" y="2462530"/>
+            <a:ext cx="1402080" cy="0"/>
+          </a:xfrm>
+          <a:prstGeom prst="line">
+            <a:avLst/>
+          </a:prstGeom>
+          <a:ln w="41275" cmpd="sng">
+            <a:solidFill>
+              <a:schemeClr val="bg2">
+                <a:lumMod val="50000"/>
+              </a:schemeClr>
+            </a:solidFill>
+            <a:prstDash val="solid"/>
+          </a:ln>
+        </p:spPr>
+        <p:style>
+          <a:lnRef idx="2">
+            <a:schemeClr val="accent1"/>
+          </a:lnRef>
+          <a:fillRef idx="0">
+            <a:srgbClr val="FFFFFF"/>
+          </a:fillRef>
+          <a:effectRef idx="0">
+            <a:srgbClr val="FFFFFF"/>
+          </a:effectRef>
+          <a:fontRef idx="minor">
+            <a:schemeClr val="tx1"/>
+          </a:fontRef>
+        </p:style>
+      </p:cxnSp>
+      <p:cxnSp>
+        <p:nvCxnSpPr>
+          <p:cNvPr id="20" name="Straight Connector 19"/>
+          <p:cNvCxnSpPr/>
+          <p:nvPr/>
+        </p:nvCxnSpPr>
+        <p:spPr>
+          <a:xfrm>
+            <a:off x="4065905" y="2345690"/>
+            <a:ext cx="886460" cy="0"/>
+          </a:xfrm>
+          <a:prstGeom prst="line">
+            <a:avLst/>
+          </a:prstGeom>
+          <a:ln w="41275" cmpd="sng">
+            <a:solidFill>
+              <a:schemeClr val="bg2">
+                <a:lumMod val="50000"/>
+              </a:schemeClr>
+            </a:solidFill>
+            <a:prstDash val="solid"/>
+          </a:ln>
+        </p:spPr>
+        <p:style>
+          <a:lnRef idx="2">
+            <a:schemeClr val="accent1"/>
+          </a:lnRef>
+          <a:fillRef idx="0">
+            <a:srgbClr val="FFFFFF"/>
+          </a:fillRef>
+          <a:effectRef idx="0">
+            <a:srgbClr val="FFFFFF"/>
+          </a:effectRef>
+          <a:fontRef idx="minor">
+            <a:schemeClr val="tx1"/>
+          </a:fontRef>
+        </p:style>
+      </p:cxnSp>
+      <p:cxnSp>
+        <p:nvCxnSpPr>
+          <p:cNvPr id="21" name="Straight Connector 20"/>
+          <p:cNvCxnSpPr/>
+          <p:nvPr/>
+        </p:nvCxnSpPr>
+        <p:spPr>
+          <a:xfrm>
+            <a:off x="4542790" y="2203450"/>
+            <a:ext cx="409575" cy="0"/>
+          </a:xfrm>
+          <a:prstGeom prst="line">
+            <a:avLst/>
+          </a:prstGeom>
+          <a:ln w="41275" cmpd="sng">
+            <a:solidFill>
+              <a:schemeClr val="bg2">
+                <a:lumMod val="50000"/>
+              </a:schemeClr>
+            </a:solidFill>
+            <a:prstDash val="solid"/>
+          </a:ln>
+        </p:spPr>
+        <p:style>
+          <a:lnRef idx="2">
+            <a:schemeClr val="accent1"/>
+          </a:lnRef>
+          <a:fillRef idx="0">
+            <a:srgbClr val="FFFFFF"/>
+          </a:fillRef>
+          <a:effectRef idx="0">
+            <a:srgbClr val="FFFFFF"/>
+          </a:effectRef>
+          <a:fontRef idx="minor">
+            <a:schemeClr val="tx1"/>
+          </a:fontRef>
+        </p:style>
+      </p:cxnSp>
+      <p:sp>
+        <p:nvSpPr>
+          <p:cNvPr id="22" name="Oval 21"/>
+          <p:cNvSpPr/>
+          <p:nvPr/>
+        </p:nvSpPr>
+        <p:spPr>
+          <a:xfrm>
+            <a:off x="2042795" y="2148840"/>
+            <a:ext cx="102235" cy="108585"/>
+          </a:xfrm>
+          <a:prstGeom prst="ellipse">
+            <a:avLst/>
+          </a:prstGeom>
+          <a:solidFill>
+            <a:schemeClr val="accent2"/>
+          </a:solidFill>
+          <a:ln>
+            <a:noFill/>
+          </a:ln>
+        </p:spPr>
+        <p:style>
+          <a:lnRef idx="2">
+            <a:schemeClr val="accent1">
+              <a:lumMod val="75000"/>
+            </a:schemeClr>
+          </a:lnRef>
+          <a:fillRef idx="1">
+            <a:schemeClr val="accent1"/>
+          </a:fillRef>
+          <a:effectRef idx="0">
+            <a:srgbClr val="FFFFFF"/>
+          </a:effectRef>
+          <a:fontRef idx="minor">
+            <a:schemeClr val="lt1"/>
+          </a:fontRef>
+        </p:style>
+        <p:txBody>
+          <a:bodyPr rtlCol="0" anchor="ctr"/>
+          <a:p>
+            <a:pPr algn="ctr"/>
+            <a:endParaRPr lang="en-US"/>
+          </a:p>
+        </p:txBody>
+      </p:sp>
+      <p:sp>
+        <p:nvSpPr>
+          <p:cNvPr id="23" name="Oval 22"/>
+          <p:cNvSpPr/>
+          <p:nvPr/>
+        </p:nvSpPr>
+        <p:spPr>
+          <a:xfrm>
+            <a:off x="2042795" y="2272665"/>
+            <a:ext cx="102235" cy="108585"/>
+          </a:xfrm>
+          <a:prstGeom prst="ellipse">
+            <a:avLst/>
+          </a:prstGeom>
+          <a:solidFill>
+            <a:schemeClr val="accent2"/>
+          </a:solidFill>
+          <a:ln>
+            <a:noFill/>
+          </a:ln>
+        </p:spPr>
+        <p:style>
+          <a:lnRef idx="2">
+            <a:schemeClr val="accent1">
+              <a:lumMod val="75000"/>
+            </a:schemeClr>
+          </a:lnRef>
+          <a:fillRef idx="1">
+            <a:schemeClr val="accent1"/>
+          </a:fillRef>
+          <a:effectRef idx="0">
+            <a:srgbClr val="FFFFFF"/>
+          </a:effectRef>
+          <a:fontRef idx="minor">
+            <a:schemeClr val="lt1"/>
+          </a:fontRef>
+        </p:style>
+        <p:txBody>
+          <a:bodyPr rtlCol="0" anchor="ctr"/>
+          <a:p>
+            <a:pPr algn="ctr"/>
+            <a:endParaRPr lang="en-US"/>
+          </a:p>
+        </p:txBody>
+      </p:sp>
+      <p:sp>
+        <p:nvSpPr>
+          <p:cNvPr id="24" name="Oval 23"/>
+          <p:cNvSpPr/>
+          <p:nvPr/>
+        </p:nvSpPr>
+        <p:spPr>
+          <a:xfrm>
+            <a:off x="2042795" y="2392045"/>
+            <a:ext cx="102235" cy="108585"/>
+          </a:xfrm>
+          <a:prstGeom prst="ellipse">
+            <a:avLst/>
+          </a:prstGeom>
+          <a:solidFill>
+            <a:schemeClr val="accent2"/>
+          </a:solidFill>
+          <a:ln>
+            <a:noFill/>
+          </a:ln>
+        </p:spPr>
+        <p:style>
+          <a:lnRef idx="2">
+            <a:schemeClr val="accent1">
+              <a:lumMod val="75000"/>
+            </a:schemeClr>
+          </a:lnRef>
+          <a:fillRef idx="1">
+            <a:schemeClr val="accent1"/>
+          </a:fillRef>
+          <a:effectRef idx="0">
+            <a:srgbClr val="FFFFFF"/>
+          </a:effectRef>
+          <a:fontRef idx="minor">
+            <a:schemeClr val="lt1"/>
+          </a:fontRef>
+        </p:style>
+        <p:txBody>
+          <a:bodyPr rtlCol="0" anchor="ctr"/>
+          <a:p>
+            <a:pPr algn="ctr"/>
+            <a:endParaRPr lang="en-US"/>
+          </a:p>
+        </p:txBody>
+      </p:sp>
+      <p:sp>
+        <p:nvSpPr>
+          <p:cNvPr id="25" name="Oval 24"/>
+          <p:cNvSpPr/>
+          <p:nvPr/>
+        </p:nvSpPr>
+        <p:spPr>
+          <a:xfrm>
+            <a:off x="2042795" y="2517140"/>
+            <a:ext cx="102235" cy="108585"/>
+          </a:xfrm>
+          <a:prstGeom prst="ellipse">
+            <a:avLst/>
+          </a:prstGeom>
+          <a:solidFill>
+            <a:schemeClr val="accent2"/>
+          </a:solidFill>
+          <a:ln>
+            <a:noFill/>
+          </a:ln>
+        </p:spPr>
+        <p:style>
+          <a:lnRef idx="2">
+            <a:schemeClr val="accent1">
+              <a:lumMod val="75000"/>
+            </a:schemeClr>
+          </a:lnRef>
+          <a:fillRef idx="1">
+            <a:schemeClr val="accent1"/>
+          </a:fillRef>
+          <a:effectRef idx="0">
+            <a:srgbClr val="FFFFFF"/>
+          </a:effectRef>
+          <a:fontRef idx="minor">
+            <a:schemeClr val="lt1"/>
+          </a:fontRef>
+        </p:style>
+        <p:txBody>
+          <a:bodyPr rtlCol="0" anchor="ctr"/>
+          <a:p>
+            <a:pPr algn="ctr"/>
+            <a:endParaRPr lang="en-US"/>
+          </a:p>
+        </p:txBody>
+      </p:sp>
+      <p:sp>
+        <p:nvSpPr>
+          <p:cNvPr id="26" name="Oval 25"/>
+          <p:cNvSpPr/>
+          <p:nvPr/>
+        </p:nvSpPr>
+        <p:spPr>
+          <a:xfrm>
+            <a:off x="2042795" y="2643505"/>
+            <a:ext cx="102235" cy="108585"/>
+          </a:xfrm>
+          <a:prstGeom prst="ellipse">
+            <a:avLst/>
+          </a:prstGeom>
+          <a:solidFill>
+            <a:schemeClr val="accent2"/>
+          </a:solidFill>
+          <a:ln>
+            <a:noFill/>
+          </a:ln>
+        </p:spPr>
+        <p:style>
+          <a:lnRef idx="2">
+            <a:schemeClr val="accent1">
+              <a:lumMod val="75000"/>
+            </a:schemeClr>
+          </a:lnRef>
+          <a:fillRef idx="1">
+            <a:schemeClr val="accent1"/>
+          </a:fillRef>
+          <a:effectRef idx="0">
+            <a:srgbClr val="FFFFFF"/>
+          </a:effectRef>
+          <a:fontRef idx="minor">
+            <a:schemeClr val="lt1"/>
+          </a:fontRef>
+        </p:style>
+        <p:txBody>
+          <a:bodyPr rtlCol="0" anchor="ctr"/>
+          <a:p>
+            <a:pPr algn="ctr"/>
+            <a:endParaRPr lang="en-US"/>
+          </a:p>
+        </p:txBody>
+      </p:sp>
+      <p:sp>
+        <p:nvSpPr>
+          <p:cNvPr id="27" name="Oval 26"/>
+          <p:cNvSpPr/>
+          <p:nvPr/>
+        </p:nvSpPr>
+        <p:spPr>
+          <a:xfrm>
+            <a:off x="4766310" y="2148840"/>
+            <a:ext cx="102235" cy="108585"/>
+          </a:xfrm>
+          <a:prstGeom prst="ellipse">
+            <a:avLst/>
+          </a:prstGeom>
+          <a:solidFill>
+            <a:srgbClr val="FF0000"/>
+          </a:solidFill>
+          <a:ln>
+            <a:noFill/>
+          </a:ln>
+        </p:spPr>
+        <p:style>
+          <a:lnRef idx="2">
+            <a:schemeClr val="accent1">
+              <a:lumMod val="75000"/>
+            </a:schemeClr>
+          </a:lnRef>
+          <a:fillRef idx="1">
+            <a:schemeClr val="accent1"/>
+          </a:fillRef>
+          <a:effectRef idx="0">
+            <a:srgbClr val="FFFFFF"/>
+          </a:effectRef>
+          <a:fontRef idx="minor">
+            <a:schemeClr val="lt1"/>
+          </a:fontRef>
+        </p:style>
+        <p:txBody>
+          <a:bodyPr rtlCol="0" anchor="ctr"/>
+          <a:p>
+            <a:pPr algn="ctr"/>
+            <a:endParaRPr lang="en-US"/>
+          </a:p>
+        </p:txBody>
+      </p:sp>
+      <p:sp>
+        <p:nvSpPr>
+          <p:cNvPr id="29" name="Oval 28"/>
+          <p:cNvSpPr/>
+          <p:nvPr/>
+        </p:nvSpPr>
+        <p:spPr>
+          <a:xfrm>
+            <a:off x="4766310" y="2282825"/>
+            <a:ext cx="102235" cy="108585"/>
+          </a:xfrm>
+          <a:prstGeom prst="ellipse">
+            <a:avLst/>
+          </a:prstGeom>
+          <a:solidFill>
+            <a:srgbClr val="FF0000"/>
+          </a:solidFill>
+          <a:ln>
+            <a:noFill/>
+          </a:ln>
+        </p:spPr>
+        <p:style>
+          <a:lnRef idx="2">
+            <a:schemeClr val="accent1">
+              <a:lumMod val="75000"/>
+            </a:schemeClr>
+          </a:lnRef>
+          <a:fillRef idx="1">
+            <a:schemeClr val="accent1"/>
+          </a:fillRef>
+          <a:effectRef idx="0">
+            <a:srgbClr val="FFFFFF"/>
+          </a:effectRef>
+          <a:fontRef idx="minor">
+            <a:schemeClr val="lt1"/>
+          </a:fontRef>
+        </p:style>
+        <p:txBody>
+          <a:bodyPr rtlCol="0" anchor="ctr"/>
+          <a:p>
+            <a:pPr algn="ctr"/>
+            <a:endParaRPr lang="en-US"/>
+          </a:p>
+        </p:txBody>
+      </p:sp>
+      <p:sp>
+        <p:nvSpPr>
+          <p:cNvPr id="30" name="Oval 29"/>
+          <p:cNvSpPr/>
+          <p:nvPr/>
+        </p:nvSpPr>
+        <p:spPr>
+          <a:xfrm>
+            <a:off x="4766310" y="2416810"/>
+            <a:ext cx="102235" cy="108585"/>
+          </a:xfrm>
+          <a:prstGeom prst="ellipse">
+            <a:avLst/>
+          </a:prstGeom>
+          <a:solidFill>
+            <a:srgbClr val="FF0000"/>
+          </a:solidFill>
+          <a:ln>
+            <a:noFill/>
+          </a:ln>
+        </p:spPr>
+        <p:style>
+          <a:lnRef idx="2">
+            <a:schemeClr val="accent1">
+              <a:lumMod val="75000"/>
+            </a:schemeClr>
+          </a:lnRef>
+          <a:fillRef idx="1">
+            <a:schemeClr val="accent1"/>
+          </a:fillRef>
+          <a:effectRef idx="0">
+            <a:srgbClr val="FFFFFF"/>
+          </a:effectRef>
+          <a:fontRef idx="minor">
+            <a:schemeClr val="lt1"/>
+          </a:fontRef>
+        </p:style>
+        <p:txBody>
+          <a:bodyPr rtlCol="0" anchor="ctr"/>
+          <a:p>
+            <a:pPr algn="ctr"/>
+            <a:endParaRPr lang="en-US"/>
+          </a:p>
+        </p:txBody>
+      </p:sp>
+      <p:sp>
+        <p:nvSpPr>
+          <p:cNvPr id="31" name="Oval 30"/>
+          <p:cNvSpPr/>
+          <p:nvPr/>
+        </p:nvSpPr>
+        <p:spPr>
+          <a:xfrm>
+            <a:off x="4766310" y="2550795"/>
+            <a:ext cx="102235" cy="108585"/>
+          </a:xfrm>
+          <a:prstGeom prst="ellipse">
+            <a:avLst/>
+          </a:prstGeom>
+          <a:solidFill>
+            <a:srgbClr val="FF0000"/>
+          </a:solidFill>
+          <a:ln>
+            <a:noFill/>
+          </a:ln>
+        </p:spPr>
+        <p:style>
+          <a:lnRef idx="2">
+            <a:schemeClr val="accent1">
+              <a:lumMod val="75000"/>
+            </a:schemeClr>
+          </a:lnRef>
+          <a:fillRef idx="1">
+            <a:schemeClr val="accent1"/>
+          </a:fillRef>
+          <a:effectRef idx="0">
+            <a:srgbClr val="FFFFFF"/>
+          </a:effectRef>
+          <a:fontRef idx="minor">
+            <a:schemeClr val="lt1"/>
+          </a:fontRef>
+        </p:style>
+        <p:txBody>
+          <a:bodyPr rtlCol="0" anchor="ctr"/>
+          <a:p>
+            <a:pPr algn="ctr"/>
+            <a:endParaRPr lang="en-US"/>
+          </a:p>
+        </p:txBody>
+      </p:sp>
+      <p:sp>
+        <p:nvSpPr>
+          <p:cNvPr id="32" name="Oval 31"/>
+          <p:cNvSpPr/>
+          <p:nvPr/>
+        </p:nvSpPr>
+        <p:spPr>
+          <a:xfrm>
+            <a:off x="4766310" y="2684780"/>
+            <a:ext cx="102235" cy="108585"/>
+          </a:xfrm>
+          <a:prstGeom prst="ellipse">
+            <a:avLst/>
+          </a:prstGeom>
+          <a:solidFill>
+            <a:srgbClr val="FF0000"/>
+          </a:solidFill>
+          <a:ln>
+            <a:noFill/>
+          </a:ln>
+        </p:spPr>
+        <p:style>
+          <a:lnRef idx="2">
+            <a:schemeClr val="accent1">
+              <a:lumMod val="75000"/>
+            </a:schemeClr>
+          </a:lnRef>
+          <a:fillRef idx="1">
+            <a:schemeClr val="accent1"/>
+          </a:fillRef>
+          <a:effectRef idx="0">
+            <a:srgbClr val="FFFFFF"/>
+          </a:effectRef>
+          <a:fontRef idx="minor">
+            <a:schemeClr val="lt1"/>
+          </a:fontRef>
+        </p:style>
+        <p:txBody>
+          <a:bodyPr rtlCol="0" anchor="ctr"/>
+          <a:p>
+            <a:pPr algn="ctr"/>
+            <a:endParaRPr lang="en-US"/>
+          </a:p>
+        </p:txBody>
+      </p:sp>
+      <p:sp>
+        <p:nvSpPr>
+          <p:cNvPr id="33" name="Text Box 32"/>
+          <p:cNvSpPr txBox="1"/>
+          <p:nvPr/>
+        </p:nvSpPr>
+        <p:spPr>
+          <a:xfrm>
+            <a:off x="1925955" y="1898650"/>
+            <a:ext cx="4200525" cy="306705"/>
+          </a:xfrm>
+          <a:prstGeom prst="rect">
+            <a:avLst/>
+          </a:prstGeom>
+          <a:noFill/>
+        </p:spPr>
+        <p:txBody>
+          <a:bodyPr wrap="square" rtlCol="0">
+            <a:spAutoFit/>
+          </a:bodyPr>
+          <a:p>
+            <a:r>
+              <a:rPr lang="en-US" sz="1400"/>
+              <a:t>5’ ladder                                 3’ ladder</a:t>
+            </a:r>
+            <a:endParaRPr lang="en-US" sz="1400"/>
+          </a:p>
+        </p:txBody>
+      </p:sp>
+      <p:cxnSp>
+        <p:nvCxnSpPr>
+          <p:cNvPr id="16" name="Straight Connector 15"/>
+          <p:cNvCxnSpPr/>
+          <p:nvPr/>
+        </p:nvCxnSpPr>
+        <p:spPr>
+          <a:xfrm>
+            <a:off x="6701790" y="2595245"/>
+            <a:ext cx="3527425" cy="0"/>
+          </a:xfrm>
+          <a:prstGeom prst="line">
+            <a:avLst/>
+          </a:prstGeom>
+          <a:ln w="28575" cmpd="sng">
+            <a:solidFill>
+              <a:srgbClr val="FF0000"/>
+            </a:solidFill>
+            <a:prstDash val="solid"/>
+          </a:ln>
+        </p:spPr>
+        <p:style>
+          <a:lnRef idx="2">
+            <a:schemeClr val="accent1"/>
+          </a:lnRef>
+          <a:fillRef idx="0">
+            <a:srgbClr val="FFFFFF"/>
+          </a:fillRef>
+          <a:effectRef idx="0">
+            <a:srgbClr val="FFFFFF"/>
+          </a:effectRef>
+          <a:fontRef idx="minor">
+            <a:schemeClr val="tx1"/>
+          </a:fontRef>
+        </p:style>
+      </p:cxnSp>
+      <p:sp>
+        <p:nvSpPr>
+          <p:cNvPr id="28" name="Text Box 27"/>
+          <p:cNvSpPr txBox="1"/>
+          <p:nvPr/>
+        </p:nvSpPr>
+        <p:spPr>
+          <a:xfrm>
+            <a:off x="6779260" y="726440"/>
+            <a:ext cx="4064000" cy="460375"/>
+          </a:xfrm>
+          <a:prstGeom prst="rect">
+            <a:avLst/>
+          </a:prstGeom>
+          <a:noFill/>
+        </p:spPr>
+        <p:txBody>
+          <a:bodyPr wrap="square" rtlCol="0">
+            <a:spAutoFit/>
+          </a:bodyPr>
+          <a:p>
+            <a:r>
+              <a:rPr lang="en-US" sz="1200"/>
+              <a:t>Bars: different RNA fragments</a:t>
+            </a:r>
+            <a:endParaRPr lang="en-US" sz="1200"/>
+          </a:p>
+          <a:p>
+            <a:r>
+              <a:rPr lang="en-US" sz="1200"/>
+              <a:t>       : ~10% of the most abundant RNA intensity</a:t>
+            </a:r>
+            <a:endParaRPr lang="en-US" sz="1200"/>
+          </a:p>
+        </p:txBody>
+      </p:sp>
+      <p:cxnSp>
+        <p:nvCxnSpPr>
+          <p:cNvPr id="46" name="Straight Connector 45"/>
+          <p:cNvCxnSpPr/>
+          <p:nvPr/>
+        </p:nvCxnSpPr>
+        <p:spPr>
+          <a:xfrm>
+            <a:off x="6887210" y="1053465"/>
+            <a:ext cx="239395" cy="0"/>
+          </a:xfrm>
+          <a:prstGeom prst="line">
+            <a:avLst/>
+          </a:prstGeom>
+          <a:ln w="41275" cmpd="sng">
             <a:solidFill>
               <a:srgbClr val="FF0000"/>
             </a:solidFill>

--- a/Data/sgRNA/Figure1/figure1.pptx
+++ b/Data/sgRNA/Figure1/figure1.pptx
@@ -7,9 +7,11 @@
   <p:sldIdLst>
     <p:sldId id="256" r:id="rId3"/>
     <p:sldId id="258" r:id="rId4"/>
-    <p:sldId id="257" r:id="rId5"/>
-    <p:sldId id="259" r:id="rId6"/>
-    <p:sldId id="260" r:id="rId7"/>
+    <p:sldId id="262" r:id="rId5"/>
+    <p:sldId id="257" r:id="rId6"/>
+    <p:sldId id="259" r:id="rId7"/>
+    <p:sldId id="260" r:id="rId8"/>
+    <p:sldId id="264" r:id="rId9"/>
   </p:sldIdLst>
   <p:sldSz cx="12192000" cy="6858000"/>
   <p:notesSz cx="6858000" cy="9144000"/>
@@ -3870,6 +3872,156 @@
       <p:grpSpPr/>
       <p:pic>
         <p:nvPicPr>
+          <p:cNvPr id="4" name="Picture 3" descr="Screenshot 2025-02-03 at 11.21.34 AM"/>
+          <p:cNvPicPr>
+            <a:picLocks noChangeAspect="1"/>
+          </p:cNvPicPr>
+          <p:nvPr/>
+        </p:nvPicPr>
+        <p:blipFill>
+          <a:blip r:embed="rId1"/>
+          <a:stretch>
+            <a:fillRect/>
+          </a:stretch>
+        </p:blipFill>
+        <p:spPr>
+          <a:xfrm>
+            <a:off x="2543175" y="1668145"/>
+            <a:ext cx="4439920" cy="3275330"/>
+          </a:xfrm>
+          <a:prstGeom prst="rect">
+            <a:avLst/>
+          </a:prstGeom>
+        </p:spPr>
+      </p:pic>
+      <p:cxnSp>
+        <p:nvCxnSpPr>
+          <p:cNvPr id="11" name="Straight Connector 10"/>
+          <p:cNvCxnSpPr/>
+          <p:nvPr/>
+        </p:nvCxnSpPr>
+        <p:spPr>
+          <a:xfrm>
+            <a:off x="2691130" y="4378960"/>
+            <a:ext cx="4291965" cy="0"/>
+          </a:xfrm>
+          <a:prstGeom prst="line">
+            <a:avLst/>
+          </a:prstGeom>
+          <a:ln w="41275" cmpd="sng">
+            <a:solidFill>
+              <a:srgbClr val="FF0000"/>
+            </a:solidFill>
+            <a:prstDash val="solid"/>
+          </a:ln>
+        </p:spPr>
+        <p:style>
+          <a:lnRef idx="2">
+            <a:schemeClr val="accent1"/>
+          </a:lnRef>
+          <a:fillRef idx="0">
+            <a:srgbClr val="FFFFFF"/>
+          </a:fillRef>
+          <a:effectRef idx="0">
+            <a:srgbClr val="FFFFFF"/>
+          </a:effectRef>
+          <a:fontRef idx="minor">
+            <a:schemeClr val="tx1"/>
+          </a:fontRef>
+        </p:style>
+      </p:cxnSp>
+      <p:sp>
+        <p:nvSpPr>
+          <p:cNvPr id="13" name="Text Box 12"/>
+          <p:cNvSpPr txBox="1"/>
+          <p:nvPr/>
+        </p:nvSpPr>
+        <p:spPr>
+          <a:xfrm>
+            <a:off x="2853690" y="1590040"/>
+            <a:ext cx="4064000" cy="460375"/>
+          </a:xfrm>
+          <a:prstGeom prst="rect">
+            <a:avLst/>
+          </a:prstGeom>
+          <a:noFill/>
+        </p:spPr>
+        <p:txBody>
+          <a:bodyPr wrap="square" rtlCol="0">
+            <a:spAutoFit/>
+          </a:bodyPr>
+          <a:p>
+            <a:r>
+              <a:rPr lang="en-US" sz="1200"/>
+              <a:t>Dots: different RNAs</a:t>
+            </a:r>
+            <a:endParaRPr lang="en-US" sz="1200"/>
+          </a:p>
+          <a:p>
+            <a:r>
+              <a:rPr lang="en-US" sz="1200"/>
+              <a:t>       : ~10% of the most abundant RNA intensity</a:t>
+            </a:r>
+            <a:endParaRPr lang="en-US" sz="1200"/>
+          </a:p>
+        </p:txBody>
+      </p:sp>
+      <p:cxnSp>
+        <p:nvCxnSpPr>
+          <p:cNvPr id="5" name="Straight Connector 4"/>
+          <p:cNvCxnSpPr/>
+          <p:nvPr/>
+        </p:nvCxnSpPr>
+        <p:spPr>
+          <a:xfrm>
+            <a:off x="2919095" y="1917700"/>
+            <a:ext cx="276860" cy="0"/>
+          </a:xfrm>
+          <a:prstGeom prst="line">
+            <a:avLst/>
+          </a:prstGeom>
+          <a:ln w="41275" cmpd="sng">
+            <a:solidFill>
+              <a:srgbClr val="FF0000"/>
+            </a:solidFill>
+            <a:prstDash val="solid"/>
+          </a:ln>
+        </p:spPr>
+        <p:style>
+          <a:lnRef idx="2">
+            <a:schemeClr val="accent1"/>
+          </a:lnRef>
+          <a:fillRef idx="0">
+            <a:srgbClr val="FFFFFF"/>
+          </a:fillRef>
+          <a:effectRef idx="0">
+            <a:srgbClr val="FFFFFF"/>
+          </a:effectRef>
+          <a:fontRef idx="minor">
+            <a:schemeClr val="tx1"/>
+          </a:fontRef>
+        </p:style>
+      </p:cxnSp>
+    </p:spTree>
+  </p:cSld>
+  <p:clrMapOvr>
+    <a:masterClrMapping/>
+  </p:clrMapOvr>
+</p:sld>
+</file>
+
+<file path=ppt/slides/slide4.xml><?xml version="1.0" encoding="utf-8"?>
+<p:sld xmlns:a="http://schemas.openxmlformats.org/drawingml/2006/main" xmlns:r="http://schemas.openxmlformats.org/officeDocument/2006/relationships" xmlns:p="http://schemas.openxmlformats.org/presentationml/2006/main">
+  <p:cSld>
+    <p:spTree>
+      <p:nvGrpSpPr>
+        <p:cNvPr id="1" name=""/>
+        <p:cNvGrpSpPr/>
+        <p:nvPr/>
+      </p:nvGrpSpPr>
+      <p:grpSpPr/>
+      <p:pic>
+        <p:nvPicPr>
           <p:cNvPr id="48" name="Picture 47" descr="Screenshot 2025-01-26 at 12.00.45 PM"/>
           <p:cNvPicPr>
             <a:picLocks noChangeAspect="1"/>
@@ -4965,7 +5117,7 @@
 </p:sld>
 </file>
 
-<file path=ppt/slides/slide4.xml><?xml version="1.0" encoding="utf-8"?>
+<file path=ppt/slides/slide5.xml><?xml version="1.0" encoding="utf-8"?>
 <p:sld xmlns:a="http://schemas.openxmlformats.org/drawingml/2006/main" xmlns:r="http://schemas.openxmlformats.org/officeDocument/2006/relationships" xmlns:p="http://schemas.openxmlformats.org/presentationml/2006/main">
   <p:cSld>
     <p:spTree>
@@ -5151,7 +5303,7 @@
 </p:sld>
 </file>
 
-<file path=ppt/slides/slide5.xml><?xml version="1.0" encoding="utf-8"?>
+<file path=ppt/slides/slide6.xml><?xml version="1.0" encoding="utf-8"?>
 <p:sld xmlns:a="http://schemas.openxmlformats.org/drawingml/2006/main" xmlns:r="http://schemas.openxmlformats.org/officeDocument/2006/relationships" xmlns:p="http://schemas.openxmlformats.org/presentationml/2006/main">
   <p:cSld>
     <p:spTree>
@@ -6394,6 +6546,192 @@
           </a:fontRef>
         </p:style>
       </p:cxnSp>
+    </p:spTree>
+  </p:cSld>
+  <p:clrMapOvr>
+    <a:masterClrMapping/>
+  </p:clrMapOvr>
+</p:sld>
+</file>
+
+<file path=ppt/slides/slide7.xml><?xml version="1.0" encoding="utf-8"?>
+<p:sld xmlns:a="http://schemas.openxmlformats.org/drawingml/2006/main" xmlns:r="http://schemas.openxmlformats.org/officeDocument/2006/relationships" xmlns:p="http://schemas.openxmlformats.org/presentationml/2006/main">
+  <p:cSld>
+    <p:spTree>
+      <p:nvGrpSpPr>
+        <p:cNvPr id="1" name=""/>
+        <p:cNvGrpSpPr/>
+        <p:nvPr/>
+      </p:nvGrpSpPr>
+      <p:grpSpPr/>
+      <p:pic>
+        <p:nvPicPr>
+          <p:cNvPr id="34" name="Picture 33" descr="Screenshot 2025-01-26 at 12.14.00 PM"/>
+          <p:cNvPicPr>
+            <a:picLocks noChangeAspect="1"/>
+          </p:cNvPicPr>
+          <p:nvPr/>
+        </p:nvPicPr>
+        <p:blipFill>
+          <a:blip r:embed="rId1"/>
+          <a:stretch>
+            <a:fillRect/>
+          </a:stretch>
+        </p:blipFill>
+        <p:spPr>
+          <a:xfrm>
+            <a:off x="6690360" y="433705"/>
+            <a:ext cx="3562985" cy="2473325"/>
+          </a:xfrm>
+          <a:prstGeom prst="rect">
+            <a:avLst/>
+          </a:prstGeom>
+        </p:spPr>
+      </p:pic>
+      <p:pic>
+        <p:nvPicPr>
+          <p:cNvPr id="5" name="Picture 4" descr="Screenshot 2025-01-26 at 12.05.38 PM"/>
+          <p:cNvPicPr>
+            <a:picLocks noChangeAspect="1"/>
+          </p:cNvPicPr>
+          <p:nvPr/>
+        </p:nvPicPr>
+        <p:blipFill>
+          <a:blip r:embed="rId2"/>
+          <a:stretch>
+            <a:fillRect/>
+          </a:stretch>
+        </p:blipFill>
+        <p:spPr>
+          <a:xfrm>
+            <a:off x="6631305" y="3513455"/>
+            <a:ext cx="3597910" cy="2473325"/>
+          </a:xfrm>
+          <a:prstGeom prst="rect">
+            <a:avLst/>
+          </a:prstGeom>
+        </p:spPr>
+      </p:pic>
+      <p:cxnSp>
+        <p:nvCxnSpPr>
+          <p:cNvPr id="44" name="Straight Connector 43"/>
+          <p:cNvCxnSpPr/>
+          <p:nvPr/>
+        </p:nvCxnSpPr>
+        <p:spPr>
+          <a:xfrm>
+            <a:off x="6690360" y="2265680"/>
+            <a:ext cx="3527425" cy="0"/>
+          </a:xfrm>
+          <a:prstGeom prst="line">
+            <a:avLst/>
+          </a:prstGeom>
+          <a:ln w="28575" cmpd="sng">
+            <a:solidFill>
+              <a:srgbClr val="FF0000"/>
+            </a:solidFill>
+            <a:prstDash val="solid"/>
+          </a:ln>
+        </p:spPr>
+        <p:style>
+          <a:lnRef idx="2">
+            <a:schemeClr val="accent1"/>
+          </a:lnRef>
+          <a:fillRef idx="0">
+            <a:srgbClr val="FFFFFF"/>
+          </a:fillRef>
+          <a:effectRef idx="0">
+            <a:srgbClr val="FFFFFF"/>
+          </a:effectRef>
+          <a:fontRef idx="minor">
+            <a:schemeClr val="tx1"/>
+          </a:fontRef>
+        </p:style>
+      </p:cxnSp>
+      <p:cxnSp>
+        <p:nvCxnSpPr>
+          <p:cNvPr id="6" name="Straight Connector 5"/>
+          <p:cNvCxnSpPr/>
+          <p:nvPr/>
+        </p:nvCxnSpPr>
+        <p:spPr>
+          <a:xfrm>
+            <a:off x="6701790" y="5332095"/>
+            <a:ext cx="3527425" cy="0"/>
+          </a:xfrm>
+          <a:prstGeom prst="line">
+            <a:avLst/>
+          </a:prstGeom>
+          <a:ln w="28575" cmpd="sng">
+            <a:solidFill>
+              <a:srgbClr val="FF0000"/>
+            </a:solidFill>
+            <a:prstDash val="solid"/>
+          </a:ln>
+        </p:spPr>
+        <p:style>
+          <a:lnRef idx="2">
+            <a:schemeClr val="accent1"/>
+          </a:lnRef>
+          <a:fillRef idx="0">
+            <a:srgbClr val="FFFFFF"/>
+          </a:fillRef>
+          <a:effectRef idx="0">
+            <a:srgbClr val="FFFFFF"/>
+          </a:effectRef>
+          <a:fontRef idx="minor">
+            <a:schemeClr val="tx1"/>
+          </a:fontRef>
+        </p:style>
+      </p:cxnSp>
+      <p:pic>
+        <p:nvPicPr>
+          <p:cNvPr id="2" name="Picture 1" descr="Screenshot 2025-02-03 at 11.53.03 AM"/>
+          <p:cNvPicPr>
+            <a:picLocks noChangeAspect="1"/>
+          </p:cNvPicPr>
+          <p:nvPr/>
+        </p:nvPicPr>
+        <p:blipFill>
+          <a:blip r:embed="rId3"/>
+          <a:stretch>
+            <a:fillRect/>
+          </a:stretch>
+        </p:blipFill>
+        <p:spPr>
+          <a:xfrm>
+            <a:off x="1673860" y="523875"/>
+            <a:ext cx="3522980" cy="2383155"/>
+          </a:xfrm>
+          <a:prstGeom prst="rect">
+            <a:avLst/>
+          </a:prstGeom>
+        </p:spPr>
+      </p:pic>
+      <p:pic>
+        <p:nvPicPr>
+          <p:cNvPr id="3" name="Picture 2" descr="Screenshot 2025-02-03 at 11.57.00 AM"/>
+          <p:cNvPicPr>
+            <a:picLocks noChangeAspect="1"/>
+          </p:cNvPicPr>
+          <p:nvPr/>
+        </p:nvPicPr>
+        <p:blipFill>
+          <a:blip r:embed="rId4"/>
+          <a:stretch>
+            <a:fillRect/>
+          </a:stretch>
+        </p:blipFill>
+        <p:spPr>
+          <a:xfrm>
+            <a:off x="1673860" y="3513455"/>
+            <a:ext cx="3591560" cy="2473325"/>
+          </a:xfrm>
+          <a:prstGeom prst="rect">
+            <a:avLst/>
+          </a:prstGeom>
+        </p:spPr>
+      </p:pic>
     </p:spTree>
   </p:cSld>
   <p:clrMapOvr>
